--- a/ENSA_Module_4.pptx
+++ b/ENSA_Module_4.pptx
@@ -5,7 +5,7 @@
     <p:sldMasterId id="2147483700" r:id="rId1"/>
   </p:sldMasterIdLst>
   <p:notesMasterIdLst>
-    <p:notesMasterId r:id="rId33"/>
+    <p:notesMasterId r:id="rId34"/>
   </p:notesMasterIdLst>
   <p:sldIdLst>
     <p:sldId id="876" r:id="rId2"/>
@@ -15,35 +15,36 @@
     <p:sldId id="1210" r:id="rId6"/>
     <p:sldId id="1211" r:id="rId7"/>
     <p:sldId id="1212" r:id="rId8"/>
-    <p:sldId id="1213" r:id="rId9"/>
-    <p:sldId id="1230" r:id="rId10"/>
-    <p:sldId id="1056" r:id="rId11"/>
-    <p:sldId id="1187" r:id="rId12"/>
-    <p:sldId id="1215" r:id="rId13"/>
-    <p:sldId id="1216" r:id="rId14"/>
-    <p:sldId id="1217" r:id="rId15"/>
-    <p:sldId id="1218" r:id="rId16"/>
-    <p:sldId id="1219" r:id="rId17"/>
-    <p:sldId id="1220" r:id="rId18"/>
-    <p:sldId id="1103" r:id="rId19"/>
-    <p:sldId id="1189" r:id="rId20"/>
-    <p:sldId id="1221" r:id="rId21"/>
-    <p:sldId id="1104" r:id="rId22"/>
-    <p:sldId id="1194" r:id="rId23"/>
-    <p:sldId id="1222" r:id="rId24"/>
-    <p:sldId id="1223" r:id="rId25"/>
-    <p:sldId id="1224" r:id="rId26"/>
-    <p:sldId id="1225" r:id="rId27"/>
-    <p:sldId id="1226" r:id="rId28"/>
-    <p:sldId id="1227" r:id="rId29"/>
-    <p:sldId id="1228" r:id="rId30"/>
-    <p:sldId id="1229" r:id="rId31"/>
-    <p:sldId id="291" r:id="rId32"/>
+    <p:sldId id="1231" r:id="rId9"/>
+    <p:sldId id="1213" r:id="rId10"/>
+    <p:sldId id="1230" r:id="rId11"/>
+    <p:sldId id="1056" r:id="rId12"/>
+    <p:sldId id="1187" r:id="rId13"/>
+    <p:sldId id="1215" r:id="rId14"/>
+    <p:sldId id="1216" r:id="rId15"/>
+    <p:sldId id="1217" r:id="rId16"/>
+    <p:sldId id="1218" r:id="rId17"/>
+    <p:sldId id="1219" r:id="rId18"/>
+    <p:sldId id="1220" r:id="rId19"/>
+    <p:sldId id="1103" r:id="rId20"/>
+    <p:sldId id="1189" r:id="rId21"/>
+    <p:sldId id="1221" r:id="rId22"/>
+    <p:sldId id="1104" r:id="rId23"/>
+    <p:sldId id="1194" r:id="rId24"/>
+    <p:sldId id="1222" r:id="rId25"/>
+    <p:sldId id="1223" r:id="rId26"/>
+    <p:sldId id="1224" r:id="rId27"/>
+    <p:sldId id="1225" r:id="rId28"/>
+    <p:sldId id="1226" r:id="rId29"/>
+    <p:sldId id="1227" r:id="rId30"/>
+    <p:sldId id="1228" r:id="rId31"/>
+    <p:sldId id="1229" r:id="rId32"/>
+    <p:sldId id="291" r:id="rId33"/>
   </p:sldIdLst>
   <p:sldSz cx="9144000" cy="5143500" type="screen16x9"/>
   <p:notesSz cx="6858000" cy="9144000"/>
   <p:custDataLst>
-    <p:tags r:id="rId34"/>
+    <p:tags r:id="rId35"/>
   </p:custDataLst>
   <p:defaultTextStyle>
     <a:defPPr>
@@ -226,8 +227,7 @@
 <file path=ppt/revisionInfo.xml><?xml version="1.0" encoding="utf-8"?>
 <p1510:revInfo xmlns:a="http://schemas.openxmlformats.org/drawingml/2006/main" xmlns:r="http://schemas.openxmlformats.org/officeDocument/2006/relationships" xmlns:p1510="http://schemas.microsoft.com/office/powerpoint/2015/10/main">
   <p1510:revLst>
-    <p1510:client id="{5BD82040-2504-7C4E-B51B-F9940E0CA239}" v="7" dt="2025-09-08T11:17:17.511"/>
-    <p1510:client id="{FD3D457B-8618-4512-1622-9069599290E4}" v="13" dt="2025-09-09T07:14:10.498"/>
+    <p1510:client id="{1A3937E0-EE4E-534E-BCAB-5342157E6974}" v="5" dt="2025-12-15T07:54:55.195"/>
   </p1510:revLst>
 </p1510:revInfo>
 </file>
@@ -235,343 +235,42 @@
 <file path=ppt/changesInfos/changesInfo1.xml><?xml version="1.0" encoding="utf-8"?>
 <pc:chgInfo xmlns:a="http://schemas.openxmlformats.org/drawingml/2006/main" xmlns:r="http://schemas.openxmlformats.org/officeDocument/2006/relationships" xmlns:ac="http://schemas.microsoft.com/office/drawing/2013/main/command" xmlns:pc="http://schemas.microsoft.com/office/powerpoint/2013/main/command">
   <pc:docChgLst>
-    <pc:chgData name="Július Baráth" userId="e650c4ab-697e-4750-bd58-c1531aabce95" providerId="ADAL" clId="{0C5D8288-9D99-4D46-882D-6D479BC8E07E}"/>
-    <pc:docChg chg="undo custSel delSld modSld">
-      <pc:chgData name="Július Baráth" userId="e650c4ab-697e-4750-bd58-c1531aabce95" providerId="ADAL" clId="{0C5D8288-9D99-4D46-882D-6D479BC8E07E}" dt="2020-09-07T07:07:02.540" v="125" actId="207"/>
+    <pc:chgData name="Baráth, Július" userId="aebde9b9-dccc-4475-a9ac-c05e78323d7a" providerId="ADAL" clId="{4A0811C8-ED2F-505E-B787-C8270CED5046}"/>
+    <pc:docChg chg="custSel addSld modSld">
+      <pc:chgData name="Baráth, Július" userId="aebde9b9-dccc-4475-a9ac-c05e78323d7a" providerId="ADAL" clId="{4A0811C8-ED2F-505E-B787-C8270CED5046}" dt="2025-12-15T07:55:26.176" v="311" actId="20577"/>
       <pc:docMkLst>
         <pc:docMk/>
       </pc:docMkLst>
-      <pc:sldChg chg="del">
-        <pc:chgData name="Július Baráth" userId="e650c4ab-697e-4750-bd58-c1531aabce95" providerId="ADAL" clId="{0C5D8288-9D99-4D46-882D-6D479BC8E07E}" dt="2020-09-07T06:39:43.441" v="0" actId="2696"/>
+      <pc:sldChg chg="addSp delSp modSp new mod">
+        <pc:chgData name="Baráth, Július" userId="aebde9b9-dccc-4475-a9ac-c05e78323d7a" providerId="ADAL" clId="{4A0811C8-ED2F-505E-B787-C8270CED5046}" dt="2025-12-15T07:55:26.176" v="311" actId="20577"/>
         <pc:sldMkLst>
           <pc:docMk/>
-          <pc:sldMk cId="343650477" sldId="513"/>
+          <pc:sldMk cId="631118686" sldId="1231"/>
         </pc:sldMkLst>
-      </pc:sldChg>
-      <pc:sldChg chg="del">
-        <pc:chgData name="Július Baráth" userId="e650c4ab-697e-4750-bd58-c1531aabce95" providerId="ADAL" clId="{0C5D8288-9D99-4D46-882D-6D479BC8E07E}" dt="2020-09-07T06:39:43.467" v="3" actId="2696"/>
-        <pc:sldMkLst>
-          <pc:docMk/>
-          <pc:sldMk cId="2145273728" sldId="763"/>
-        </pc:sldMkLst>
-      </pc:sldChg>
-      <pc:sldChg chg="del">
-        <pc:chgData name="Július Baráth" userId="e650c4ab-697e-4750-bd58-c1531aabce95" providerId="ADAL" clId="{0C5D8288-9D99-4D46-882D-6D479BC8E07E}" dt="2020-09-07T06:40:03.085" v="12" actId="2696"/>
-        <pc:sldMkLst>
-          <pc:docMk/>
-          <pc:sldMk cId="3271745509" sldId="874"/>
-        </pc:sldMkLst>
-      </pc:sldChg>
-      <pc:sldChg chg="del">
-        <pc:chgData name="Július Baráth" userId="e650c4ab-697e-4750-bd58-c1531aabce95" providerId="ADAL" clId="{0C5D8288-9D99-4D46-882D-6D479BC8E07E}" dt="2020-09-07T06:40:03.065" v="8" actId="2696"/>
-        <pc:sldMkLst>
-          <pc:docMk/>
-          <pc:sldMk cId="410599242" sldId="957"/>
-        </pc:sldMkLst>
-      </pc:sldChg>
-      <pc:sldChg chg="del">
-        <pc:chgData name="Július Baráth" userId="e650c4ab-697e-4750-bd58-c1531aabce95" providerId="ADAL" clId="{0C5D8288-9D99-4D46-882D-6D479BC8E07E}" dt="2020-09-07T06:39:43.481" v="5" actId="2696"/>
-        <pc:sldMkLst>
-          <pc:docMk/>
-          <pc:sldMk cId="2109317603" sldId="1052"/>
-        </pc:sldMkLst>
-      </pc:sldChg>
-      <pc:sldChg chg="del">
-        <pc:chgData name="Július Baráth" userId="e650c4ab-697e-4750-bd58-c1531aabce95" providerId="ADAL" clId="{0C5D8288-9D99-4D46-882D-6D479BC8E07E}" dt="2020-09-07T06:39:43.495" v="7" actId="2696"/>
-        <pc:sldMkLst>
-          <pc:docMk/>
-          <pc:sldMk cId="1129576059" sldId="1069"/>
-        </pc:sldMkLst>
-      </pc:sldChg>
-      <pc:sldChg chg="del">
-        <pc:chgData name="Július Baráth" userId="e650c4ab-697e-4750-bd58-c1531aabce95" providerId="ADAL" clId="{0C5D8288-9D99-4D46-882D-6D479BC8E07E}" dt="2020-09-07T06:40:03.076" v="10" actId="2696"/>
-        <pc:sldMkLst>
-          <pc:docMk/>
-          <pc:sldMk cId="2929623157" sldId="1138"/>
-        </pc:sldMkLst>
-      </pc:sldChg>
-      <pc:sldChg chg="del">
-        <pc:chgData name="Július Baráth" userId="e650c4ab-697e-4750-bd58-c1531aabce95" providerId="ADAL" clId="{0C5D8288-9D99-4D46-882D-6D479BC8E07E}" dt="2020-09-07T06:39:43.450" v="1" actId="2696"/>
-        <pc:sldMkLst>
-          <pc:docMk/>
-          <pc:sldMk cId="2625469064" sldId="1209"/>
-        </pc:sldMkLst>
-      </pc:sldChg>
-      <pc:sldChg chg="del">
-        <pc:chgData name="Július Baráth" userId="e650c4ab-697e-4750-bd58-c1531aabce95" providerId="ADAL" clId="{0C5D8288-9D99-4D46-882D-6D479BC8E07E}" dt="2020-09-07T06:42:56.995" v="13" actId="2696"/>
-        <pc:sldMkLst>
-          <pc:docMk/>
-          <pc:sldMk cId="21925244" sldId="1214"/>
-        </pc:sldMkLst>
-      </pc:sldChg>
-      <pc:sldChg chg="modSp mod">
-        <pc:chgData name="Július Baráth" userId="e650c4ab-697e-4750-bd58-c1531aabce95" providerId="ADAL" clId="{0C5D8288-9D99-4D46-882D-6D479BC8E07E}" dt="2020-09-07T06:45:31.712" v="80" actId="6549"/>
-        <pc:sldMkLst>
-          <pc:docMk/>
-          <pc:sldMk cId="3601600761" sldId="1216"/>
-        </pc:sldMkLst>
-      </pc:sldChg>
-      <pc:sldChg chg="modSp mod">
-        <pc:chgData name="Július Baráth" userId="e650c4ab-697e-4750-bd58-c1531aabce95" providerId="ADAL" clId="{0C5D8288-9D99-4D46-882D-6D479BC8E07E}" dt="2020-09-07T06:47:59.592" v="86" actId="13926"/>
-        <pc:sldMkLst>
-          <pc:docMk/>
-          <pc:sldMk cId="2398536691" sldId="1218"/>
-        </pc:sldMkLst>
-      </pc:sldChg>
-      <pc:sldChg chg="modSp mod">
-        <pc:chgData name="Július Baráth" userId="e650c4ab-697e-4750-bd58-c1531aabce95" providerId="ADAL" clId="{0C5D8288-9D99-4D46-882D-6D479BC8E07E}" dt="2020-09-07T06:51:27.671" v="97" actId="6549"/>
-        <pc:sldMkLst>
-          <pc:docMk/>
-          <pc:sldMk cId="1205276961" sldId="1222"/>
-        </pc:sldMkLst>
-      </pc:sldChg>
-      <pc:sldChg chg="addSp modSp mod modAnim">
-        <pc:chgData name="Július Baráth" userId="e650c4ab-697e-4750-bd58-c1531aabce95" providerId="ADAL" clId="{0C5D8288-9D99-4D46-882D-6D479BC8E07E}" dt="2020-09-07T07:05:30.170" v="122"/>
-        <pc:sldMkLst>
-          <pc:docMk/>
-          <pc:sldMk cId="612360075" sldId="1226"/>
-        </pc:sldMkLst>
-      </pc:sldChg>
-      <pc:sldChg chg="modSp">
-        <pc:chgData name="Július Baráth" userId="e650c4ab-697e-4750-bd58-c1531aabce95" providerId="ADAL" clId="{0C5D8288-9D99-4D46-882D-6D479BC8E07E}" dt="2020-09-07T07:06:50.865" v="124" actId="207"/>
-        <pc:sldMkLst>
-          <pc:docMk/>
-          <pc:sldMk cId="2663240714" sldId="1227"/>
-        </pc:sldMkLst>
-      </pc:sldChg>
-      <pc:sldChg chg="addSp modSp mod modAnim">
-        <pc:chgData name="Július Baráth" userId="e650c4ab-697e-4750-bd58-c1531aabce95" providerId="ADAL" clId="{0C5D8288-9D99-4D46-882D-6D479BC8E07E}" dt="2020-09-07T07:06:06.291" v="123"/>
-        <pc:sldMkLst>
-          <pc:docMk/>
-          <pc:sldMk cId="3946700643" sldId="1228"/>
-        </pc:sldMkLst>
-      </pc:sldChg>
-      <pc:sldChg chg="addSp delSp modSp mod">
-        <pc:chgData name="Július Baráth" userId="e650c4ab-697e-4750-bd58-c1531aabce95" providerId="ADAL" clId="{0C5D8288-9D99-4D46-882D-6D479BC8E07E}" dt="2020-09-07T07:07:02.540" v="125" actId="207"/>
-        <pc:sldMkLst>
-          <pc:docMk/>
-          <pc:sldMk cId="1861984881" sldId="1229"/>
-        </pc:sldMkLst>
-      </pc:sldChg>
-      <pc:sldChg chg="del">
-        <pc:chgData name="Július Baráth" userId="e650c4ab-697e-4750-bd58-c1531aabce95" providerId="ADAL" clId="{0C5D8288-9D99-4D46-882D-6D479BC8E07E}" dt="2020-09-07T06:40:03.080" v="11" actId="2696"/>
-        <pc:sldMkLst>
-          <pc:docMk/>
-          <pc:sldMk cId="3394755132" sldId="1230"/>
-        </pc:sldMkLst>
-      </pc:sldChg>
-      <pc:sldChg chg="del">
-        <pc:chgData name="Július Baráth" userId="e650c4ab-697e-4750-bd58-c1531aabce95" providerId="ADAL" clId="{0C5D8288-9D99-4D46-882D-6D479BC8E07E}" dt="2020-09-07T06:40:03.071" v="9" actId="2696"/>
-        <pc:sldMkLst>
-          <pc:docMk/>
-          <pc:sldMk cId="1482584563" sldId="1231"/>
-        </pc:sldMkLst>
-      </pc:sldChg>
-      <pc:sldChg chg="del">
-        <pc:chgData name="Július Baráth" userId="e650c4ab-697e-4750-bd58-c1531aabce95" providerId="ADAL" clId="{0C5D8288-9D99-4D46-882D-6D479BC8E07E}" dt="2020-09-07T06:39:43.488" v="6" actId="2696"/>
-        <pc:sldMkLst>
-          <pc:docMk/>
-          <pc:sldMk cId="861392344" sldId="1418"/>
-        </pc:sldMkLst>
-      </pc:sldChg>
-      <pc:sldChg chg="del">
-        <pc:chgData name="Július Baráth" userId="e650c4ab-697e-4750-bd58-c1531aabce95" providerId="ADAL" clId="{0C5D8288-9D99-4D46-882D-6D479BC8E07E}" dt="2020-09-07T06:39:43.475" v="4" actId="2696"/>
-        <pc:sldMkLst>
-          <pc:docMk/>
-          <pc:sldMk cId="4253169216" sldId="1419"/>
-        </pc:sldMkLst>
-      </pc:sldChg>
-      <pc:sldChg chg="del">
-        <pc:chgData name="Július Baráth" userId="e650c4ab-697e-4750-bd58-c1531aabce95" providerId="ADAL" clId="{0C5D8288-9D99-4D46-882D-6D479BC8E07E}" dt="2020-09-07T06:39:43.460" v="2" actId="2696"/>
-        <pc:sldMkLst>
-          <pc:docMk/>
-          <pc:sldMk cId="391837703" sldId="1420"/>
-        </pc:sldMkLst>
-      </pc:sldChg>
-    </pc:docChg>
-  </pc:docChgLst>
-  <pc:docChgLst>
-    <pc:chgData name="Baráth, Július" userId="aebde9b9-dccc-4475-a9ac-c05e78323d7a" providerId="ADAL" clId="{3E938719-1F35-2C41-BF89-53383CDEF4E7}"/>
-    <pc:docChg chg="modSld">
-      <pc:chgData name="Baráth, Július" userId="aebde9b9-dccc-4475-a9ac-c05e78323d7a" providerId="ADAL" clId="{3E938719-1F35-2C41-BF89-53383CDEF4E7}" dt="2024-09-09T09:25:03.073" v="7" actId="115"/>
-      <pc:docMkLst>
-        <pc:docMk/>
-      </pc:docMkLst>
-      <pc:sldChg chg="modSp mod">
-        <pc:chgData name="Baráth, Július" userId="aebde9b9-dccc-4475-a9ac-c05e78323d7a" providerId="ADAL" clId="{3E938719-1F35-2C41-BF89-53383CDEF4E7}" dt="2024-09-09T09:22:05.515" v="4" actId="20577"/>
-        <pc:sldMkLst>
-          <pc:docMk/>
-          <pc:sldMk cId="4172338603" sldId="1211"/>
-        </pc:sldMkLst>
-      </pc:sldChg>
-      <pc:sldChg chg="modSp mod">
-        <pc:chgData name="Baráth, Július" userId="aebde9b9-dccc-4475-a9ac-c05e78323d7a" providerId="ADAL" clId="{3E938719-1F35-2C41-BF89-53383CDEF4E7}" dt="2024-09-09T09:25:03.073" v="7" actId="115"/>
-        <pc:sldMkLst>
-          <pc:docMk/>
-          <pc:sldMk cId="4186470148" sldId="1213"/>
-        </pc:sldMkLst>
-      </pc:sldChg>
-    </pc:docChg>
-  </pc:docChgLst>
-  <pc:docChgLst>
-    <pc:chgData name="Baráth, Július" userId="aebde9b9-dccc-4475-a9ac-c05e78323d7a" providerId="ADAL" clId="{4A0811C8-ED2F-505E-B787-C8270CED5046}"/>
-    <pc:docChg chg="custSel addSld modSld">
-      <pc:chgData name="Baráth, Július" userId="aebde9b9-dccc-4475-a9ac-c05e78323d7a" providerId="ADAL" clId="{4A0811C8-ED2F-505E-B787-C8270CED5046}" dt="2025-09-08T11:25:01.386" v="284" actId="20577"/>
-      <pc:docMkLst>
-        <pc:docMk/>
-      </pc:docMkLst>
-      <pc:sldChg chg="modSp mod">
-        <pc:chgData name="Baráth, Július" userId="aebde9b9-dccc-4475-a9ac-c05e78323d7a" providerId="ADAL" clId="{4A0811C8-ED2F-505E-B787-C8270CED5046}" dt="2025-09-08T11:11:07.086" v="199" actId="20577"/>
-        <pc:sldMkLst>
-          <pc:docMk/>
-          <pc:sldMk cId="175850698" sldId="1187"/>
-        </pc:sldMkLst>
-        <pc:spChg chg="mod">
-          <ac:chgData name="Baráth, Július" userId="aebde9b9-dccc-4475-a9ac-c05e78323d7a" providerId="ADAL" clId="{4A0811C8-ED2F-505E-B787-C8270CED5046}" dt="2025-09-08T11:11:07.086" v="199" actId="20577"/>
+        <pc:spChg chg="del">
+          <ac:chgData name="Baráth, Július" userId="aebde9b9-dccc-4475-a9ac-c05e78323d7a" providerId="ADAL" clId="{4A0811C8-ED2F-505E-B787-C8270CED5046}" dt="2025-12-15T07:54:48.882" v="286" actId="931"/>
           <ac:spMkLst>
             <pc:docMk/>
-            <pc:sldMk cId="175850698" sldId="1187"/>
-            <ac:spMk id="5" creationId="{DEB470EA-293F-8845-8D0E-FC9F398E8352}"/>
-          </ac:spMkLst>
-        </pc:spChg>
-      </pc:sldChg>
-      <pc:sldChg chg="modSp mod">
-        <pc:chgData name="Baráth, Július" userId="aebde9b9-dccc-4475-a9ac-c05e78323d7a" providerId="ADAL" clId="{4A0811C8-ED2F-505E-B787-C8270CED5046}" dt="2025-09-08T10:53:41.161" v="67" actId="113"/>
-        <pc:sldMkLst>
-          <pc:docMk/>
-          <pc:sldMk cId="4172338603" sldId="1211"/>
-        </pc:sldMkLst>
-        <pc:spChg chg="mod">
-          <ac:chgData name="Baráth, Július" userId="aebde9b9-dccc-4475-a9ac-c05e78323d7a" providerId="ADAL" clId="{4A0811C8-ED2F-505E-B787-C8270CED5046}" dt="2025-09-08T10:53:41.161" v="67" actId="113"/>
-          <ac:spMkLst>
-            <pc:docMk/>
-            <pc:sldMk cId="4172338603" sldId="1211"/>
-            <ac:spMk id="5" creationId="{C788ABE6-BB6E-DC4B-A849-9C7CB13E345C}"/>
-          </ac:spMkLst>
-        </pc:spChg>
-      </pc:sldChg>
-      <pc:sldChg chg="modSp mod">
-        <pc:chgData name="Baráth, Július" userId="aebde9b9-dccc-4475-a9ac-c05e78323d7a" providerId="ADAL" clId="{4A0811C8-ED2F-505E-B787-C8270CED5046}" dt="2025-09-08T11:17:19.657" v="209" actId="20577"/>
-        <pc:sldMkLst>
-          <pc:docMk/>
-          <pc:sldMk cId="3601600761" sldId="1216"/>
-        </pc:sldMkLst>
-        <pc:spChg chg="mod">
-          <ac:chgData name="Baráth, Július" userId="aebde9b9-dccc-4475-a9ac-c05e78323d7a" providerId="ADAL" clId="{4A0811C8-ED2F-505E-B787-C8270CED5046}" dt="2025-09-08T11:17:19.657" v="209" actId="20577"/>
-          <ac:spMkLst>
-            <pc:docMk/>
-            <pc:sldMk cId="3601600761" sldId="1216"/>
-            <ac:spMk id="4" creationId="{EB9C83DA-E6D1-CE42-8B70-F0CD0E5EF39E}"/>
-          </ac:spMkLst>
-        </pc:spChg>
-        <pc:graphicFrameChg chg="mod">
-          <ac:chgData name="Baráth, Július" userId="aebde9b9-dccc-4475-a9ac-c05e78323d7a" providerId="ADAL" clId="{4A0811C8-ED2F-505E-B787-C8270CED5046}" dt="2025-09-08T11:16:32.975" v="201" actId="1076"/>
-          <ac:graphicFrameMkLst>
-            <pc:docMk/>
-            <pc:sldMk cId="3601600761" sldId="1216"/>
-            <ac:graphicFrameMk id="5" creationId="{E5331AB4-66C2-584A-B146-D6F7F488BE1A}"/>
-          </ac:graphicFrameMkLst>
-        </pc:graphicFrameChg>
-      </pc:sldChg>
-      <pc:sldChg chg="modSp mod">
-        <pc:chgData name="Baráth, Július" userId="aebde9b9-dccc-4475-a9ac-c05e78323d7a" providerId="ADAL" clId="{4A0811C8-ED2F-505E-B787-C8270CED5046}" dt="2025-09-08T11:17:54.428" v="210" actId="20577"/>
-        <pc:sldMkLst>
-          <pc:docMk/>
-          <pc:sldMk cId="2450467756" sldId="1217"/>
-        </pc:sldMkLst>
-        <pc:spChg chg="mod">
-          <ac:chgData name="Baráth, Július" userId="aebde9b9-dccc-4475-a9ac-c05e78323d7a" providerId="ADAL" clId="{4A0811C8-ED2F-505E-B787-C8270CED5046}" dt="2025-09-08T11:17:54.428" v="210" actId="20577"/>
-          <ac:spMkLst>
-            <pc:docMk/>
-            <pc:sldMk cId="2450467756" sldId="1217"/>
-            <ac:spMk id="6" creationId="{EE083216-2A47-8145-8DCA-804C1D5363C8}"/>
-          </ac:spMkLst>
-        </pc:spChg>
-      </pc:sldChg>
-      <pc:sldChg chg="modSp mod">
-        <pc:chgData name="Baráth, Július" userId="aebde9b9-dccc-4475-a9ac-c05e78323d7a" providerId="ADAL" clId="{4A0811C8-ED2F-505E-B787-C8270CED5046}" dt="2025-09-08T11:25:01.386" v="284" actId="20577"/>
-        <pc:sldMkLst>
-          <pc:docMk/>
-          <pc:sldMk cId="1669320979" sldId="1220"/>
-        </pc:sldMkLst>
-        <pc:spChg chg="mod">
-          <ac:chgData name="Baráth, Július" userId="aebde9b9-dccc-4475-a9ac-c05e78323d7a" providerId="ADAL" clId="{4A0811C8-ED2F-505E-B787-C8270CED5046}" dt="2025-09-08T11:25:01.386" v="284" actId="20577"/>
-          <ac:spMkLst>
-            <pc:docMk/>
-            <pc:sldMk cId="1669320979" sldId="1220"/>
-            <ac:spMk id="4" creationId="{5215CBA2-A914-3C4A-990E-73359DAA5DB9}"/>
-          </ac:spMkLst>
-        </pc:spChg>
-      </pc:sldChg>
-      <pc:sldChg chg="addSp delSp modSp new mod">
-        <pc:chgData name="Baráth, Július" userId="aebde9b9-dccc-4475-a9ac-c05e78323d7a" providerId="ADAL" clId="{4A0811C8-ED2F-505E-B787-C8270CED5046}" dt="2025-09-08T11:08:45.650" v="114" actId="14100"/>
-        <pc:sldMkLst>
-          <pc:docMk/>
-          <pc:sldMk cId="2581345861" sldId="1230"/>
-        </pc:sldMkLst>
-        <pc:spChg chg="del">
-          <ac:chgData name="Baráth, Július" userId="aebde9b9-dccc-4475-a9ac-c05e78323d7a" providerId="ADAL" clId="{4A0811C8-ED2F-505E-B787-C8270CED5046}" dt="2025-09-08T11:08:35.336" v="109" actId="931"/>
-          <ac:spMkLst>
-            <pc:docMk/>
-            <pc:sldMk cId="2581345861" sldId="1230"/>
-            <ac:spMk id="2" creationId="{DC502141-3D3B-F90D-2BE9-B7B65FF4292C}"/>
+            <pc:sldMk cId="631118686" sldId="1231"/>
+            <ac:spMk id="2" creationId="{FA43EC5B-F514-BC63-FC1B-72AFFBF0E8A7}"/>
           </ac:spMkLst>
         </pc:spChg>
         <pc:spChg chg="mod">
-          <ac:chgData name="Baráth, Július" userId="aebde9b9-dccc-4475-a9ac-c05e78323d7a" providerId="ADAL" clId="{4A0811C8-ED2F-505E-B787-C8270CED5046}" dt="2025-09-08T11:08:23.740" v="108" actId="313"/>
+          <ac:chgData name="Baráth, Július" userId="aebde9b9-dccc-4475-a9ac-c05e78323d7a" providerId="ADAL" clId="{4A0811C8-ED2F-505E-B787-C8270CED5046}" dt="2025-12-15T07:55:26.176" v="311" actId="20577"/>
           <ac:spMkLst>
             <pc:docMk/>
-            <pc:sldMk cId="2581345861" sldId="1230"/>
-            <ac:spMk id="3" creationId="{94FA5AB8-1A8F-45AB-AA83-E949D409E691}"/>
+            <pc:sldMk cId="631118686" sldId="1231"/>
+            <ac:spMk id="3" creationId="{DF90DADA-0DBC-3F7E-3BAD-3F138B9AE17F}"/>
           </ac:spMkLst>
         </pc:spChg>
         <pc:picChg chg="add mod">
-          <ac:chgData name="Baráth, Július" userId="aebde9b9-dccc-4475-a9ac-c05e78323d7a" providerId="ADAL" clId="{4A0811C8-ED2F-505E-B787-C8270CED5046}" dt="2025-09-08T11:08:45.650" v="114" actId="14100"/>
+          <ac:chgData name="Baráth, Július" userId="aebde9b9-dccc-4475-a9ac-c05e78323d7a" providerId="ADAL" clId="{4A0811C8-ED2F-505E-B787-C8270CED5046}" dt="2025-12-15T07:54:55.195" v="290" actId="1076"/>
           <ac:picMkLst>
             <pc:docMk/>
-            <pc:sldMk cId="2581345861" sldId="1230"/>
-            <ac:picMk id="5" creationId="{088681FF-D99A-1BFD-1BFB-DB9EA961014C}"/>
+            <pc:sldMk cId="631118686" sldId="1231"/>
+            <ac:picMk id="5" creationId="{3942FB2E-9E18-C0DF-CBA8-D0DFE87F9960}"/>
           </ac:picMkLst>
         </pc:picChg>
-      </pc:sldChg>
-    </pc:docChg>
-  </pc:docChgLst>
-  <pc:docChgLst>
-    <pc:chgData name="Baráth, Július" userId="S::julius.barath@aos.sk::aebde9b9-dccc-4475-a9ac-c05e78323d7a" providerId="AD" clId="Web-{FD3D457B-8618-4512-1622-9069599290E4}"/>
-    <pc:docChg chg="modSld">
-      <pc:chgData name="Baráth, Július" userId="S::julius.barath@aos.sk::aebde9b9-dccc-4475-a9ac-c05e78323d7a" providerId="AD" clId="Web-{FD3D457B-8618-4512-1622-9069599290E4}" dt="2025-09-09T07:14:09.889" v="9" actId="20577"/>
-      <pc:docMkLst>
-        <pc:docMk/>
-      </pc:docMkLst>
-      <pc:sldChg chg="modSp">
-        <pc:chgData name="Baráth, Július" userId="S::julius.barath@aos.sk::aebde9b9-dccc-4475-a9ac-c05e78323d7a" providerId="AD" clId="Web-{FD3D457B-8618-4512-1622-9069599290E4}" dt="2025-09-09T06:52:38.522" v="6" actId="20577"/>
-        <pc:sldMkLst>
-          <pc:docMk/>
-          <pc:sldMk cId="1669320979" sldId="1220"/>
-        </pc:sldMkLst>
-        <pc:spChg chg="mod">
-          <ac:chgData name="Baráth, Július" userId="S::julius.barath@aos.sk::aebde9b9-dccc-4475-a9ac-c05e78323d7a" providerId="AD" clId="Web-{FD3D457B-8618-4512-1622-9069599290E4}" dt="2025-09-09T06:52:38.522" v="6" actId="20577"/>
-          <ac:spMkLst>
-            <pc:docMk/>
-            <pc:sldMk cId="1669320979" sldId="1220"/>
-            <ac:spMk id="4" creationId="{5215CBA2-A914-3C4A-990E-73359DAA5DB9}"/>
-          </ac:spMkLst>
-        </pc:spChg>
-      </pc:sldChg>
-      <pc:sldChg chg="modSp">
-        <pc:chgData name="Baráth, Július" userId="S::julius.barath@aos.sk::aebde9b9-dccc-4475-a9ac-c05e78323d7a" providerId="AD" clId="Web-{FD3D457B-8618-4512-1622-9069599290E4}" dt="2025-09-09T07:14:09.889" v="9" actId="20577"/>
-        <pc:sldMkLst>
-          <pc:docMk/>
-          <pc:sldMk cId="2663240714" sldId="1227"/>
-        </pc:sldMkLst>
-        <pc:spChg chg="mod">
-          <ac:chgData name="Baráth, Július" userId="S::julius.barath@aos.sk::aebde9b9-dccc-4475-a9ac-c05e78323d7a" providerId="AD" clId="Web-{FD3D457B-8618-4512-1622-9069599290E4}" dt="2025-09-09T07:14:09.889" v="9" actId="20577"/>
-          <ac:spMkLst>
-            <pc:docMk/>
-            <pc:sldMk cId="2663240714" sldId="1227"/>
-            <ac:spMk id="4" creationId="{1A6CB395-1298-194E-B43A-F3E254D84166}"/>
-          </ac:spMkLst>
-        </pc:spChg>
       </pc:sldChg>
     </pc:docChg>
   </pc:docChgLst>
@@ -660,7 +359,7 @@
           <a:p>
             <a:fld id="{136337D9-3022-3D41-8D8A-BDF2F3B0DD8E}" type="datetimeFigureOut">
               <a:rPr lang="en-US" smtClean="0"/>
-              <a:t>9/8/2025</a:t>
+              <a:t>12/15/25</a:t>
             </a:fld>
             <a:endParaRPr lang="en-US"/>
           </a:p>
@@ -1137,7 +836,7 @@
           <a:p>
             <a:fld id="{5641018C-6CAF-B84E-B92C-ECB119457FBA}" type="slidenum">
               <a:rPr lang="en-US" smtClean="0"/>
-              <a:t>11</a:t>
+              <a:t>12</a:t>
             </a:fld>
             <a:endParaRPr lang="en-US"/>
           </a:p>
@@ -1236,7 +935,7 @@
           <a:p>
             <a:fld id="{5641018C-6CAF-B84E-B92C-ECB119457FBA}" type="slidenum">
               <a:rPr lang="en-US" smtClean="0"/>
-              <a:t>12</a:t>
+              <a:t>13</a:t>
             </a:fld>
             <a:endParaRPr lang="en-US"/>
           </a:p>
@@ -1335,7 +1034,7 @@
           <a:p>
             <a:fld id="{5641018C-6CAF-B84E-B92C-ECB119457FBA}" type="slidenum">
               <a:rPr lang="en-US" smtClean="0"/>
-              <a:t>13</a:t>
+              <a:t>14</a:t>
             </a:fld>
             <a:endParaRPr lang="en-US"/>
           </a:p>
@@ -1434,7 +1133,7 @@
           <a:p>
             <a:fld id="{5641018C-6CAF-B84E-B92C-ECB119457FBA}" type="slidenum">
               <a:rPr lang="en-US" smtClean="0"/>
-              <a:t>14</a:t>
+              <a:t>15</a:t>
             </a:fld>
             <a:endParaRPr lang="en-US"/>
           </a:p>
@@ -1533,7 +1232,7 @@
           <a:p>
             <a:fld id="{5641018C-6CAF-B84E-B92C-ECB119457FBA}" type="slidenum">
               <a:rPr lang="en-US" smtClean="0"/>
-              <a:t>15</a:t>
+              <a:t>16</a:t>
             </a:fld>
             <a:endParaRPr lang="en-US"/>
           </a:p>
@@ -1632,7 +1331,7 @@
           <a:p>
             <a:fld id="{5641018C-6CAF-B84E-B92C-ECB119457FBA}" type="slidenum">
               <a:rPr lang="en-US" smtClean="0"/>
-              <a:t>16</a:t>
+              <a:t>17</a:t>
             </a:fld>
             <a:endParaRPr lang="en-US"/>
           </a:p>
@@ -1737,7 +1436,7 @@
           <a:p>
             <a:fld id="{5641018C-6CAF-B84E-B92C-ECB119457FBA}" type="slidenum">
               <a:rPr lang="en-US" smtClean="0"/>
-              <a:t>17</a:t>
+              <a:t>18</a:t>
             </a:fld>
             <a:endParaRPr lang="en-US"/>
           </a:p>
@@ -1830,7 +1529,7 @@
           <a:p>
             <a:fld id="{5641018C-6CAF-B84E-B92C-ECB119457FBA}" type="slidenum">
               <a:rPr lang="en-US" smtClean="0"/>
-              <a:t>18</a:t>
+              <a:t>19</a:t>
             </a:fld>
             <a:endParaRPr lang="en-US"/>
           </a:p>
@@ -1929,7 +1628,7 @@
           <a:p>
             <a:fld id="{5641018C-6CAF-B84E-B92C-ECB119457FBA}" type="slidenum">
               <a:rPr lang="en-US" smtClean="0"/>
-              <a:t>19</a:t>
+              <a:t>20</a:t>
             </a:fld>
             <a:endParaRPr lang="en-US"/>
           </a:p>
@@ -2034,7 +1733,7 @@
           <a:p>
             <a:fld id="{5641018C-6CAF-B84E-B92C-ECB119457FBA}" type="slidenum">
               <a:rPr lang="en-US" smtClean="0"/>
-              <a:t>20</a:t>
+              <a:t>21</a:t>
             </a:fld>
             <a:endParaRPr lang="en-US"/>
           </a:p>
@@ -2384,7 +2083,7 @@
           <a:p>
             <a:fld id="{5641018C-6CAF-B84E-B92C-ECB119457FBA}" type="slidenum">
               <a:rPr lang="en-US" smtClean="0"/>
-              <a:t>21</a:t>
+              <a:t>22</a:t>
             </a:fld>
             <a:endParaRPr lang="en-US"/>
           </a:p>
@@ -2483,7 +2182,7 @@
           <a:p>
             <a:fld id="{5641018C-6CAF-B84E-B92C-ECB119457FBA}" type="slidenum">
               <a:rPr lang="en-US" smtClean="0"/>
-              <a:t>22</a:t>
+              <a:t>23</a:t>
             </a:fld>
             <a:endParaRPr lang="en-US"/>
           </a:p>
@@ -2582,7 +2281,7 @@
           <a:p>
             <a:fld id="{5641018C-6CAF-B84E-B92C-ECB119457FBA}" type="slidenum">
               <a:rPr lang="en-US" smtClean="0"/>
-              <a:t>23</a:t>
+              <a:t>24</a:t>
             </a:fld>
             <a:endParaRPr lang="en-US"/>
           </a:p>
@@ -2681,7 +2380,7 @@
           <a:p>
             <a:fld id="{5641018C-6CAF-B84E-B92C-ECB119457FBA}" type="slidenum">
               <a:rPr lang="en-US" smtClean="0"/>
-              <a:t>24</a:t>
+              <a:t>25</a:t>
             </a:fld>
             <a:endParaRPr lang="en-US"/>
           </a:p>
@@ -2780,7 +2479,7 @@
           <a:p>
             <a:fld id="{5641018C-6CAF-B84E-B92C-ECB119457FBA}" type="slidenum">
               <a:rPr lang="en-US" smtClean="0"/>
-              <a:t>25</a:t>
+              <a:t>26</a:t>
             </a:fld>
             <a:endParaRPr lang="en-US"/>
           </a:p>
@@ -2879,7 +2578,7 @@
           <a:p>
             <a:fld id="{5641018C-6CAF-B84E-B92C-ECB119457FBA}" type="slidenum">
               <a:rPr lang="en-US" smtClean="0"/>
-              <a:t>26</a:t>
+              <a:t>27</a:t>
             </a:fld>
             <a:endParaRPr lang="en-US"/>
           </a:p>
@@ -2978,7 +2677,7 @@
           <a:p>
             <a:fld id="{5641018C-6CAF-B84E-B92C-ECB119457FBA}" type="slidenum">
               <a:rPr lang="en-US" smtClean="0"/>
-              <a:t>27</a:t>
+              <a:t>28</a:t>
             </a:fld>
             <a:endParaRPr lang="en-US"/>
           </a:p>
@@ -3094,7 +2793,7 @@
           <a:p>
             <a:fld id="{5641018C-6CAF-B84E-B92C-ECB119457FBA}" type="slidenum">
               <a:rPr lang="en-US" smtClean="0"/>
-              <a:t>28</a:t>
+              <a:t>29</a:t>
             </a:fld>
             <a:endParaRPr lang="en-US"/>
           </a:p>
@@ -3210,7 +2909,7 @@
           <a:p>
             <a:fld id="{5641018C-6CAF-B84E-B92C-ECB119457FBA}" type="slidenum">
               <a:rPr lang="en-US" smtClean="0"/>
-              <a:t>29</a:t>
+              <a:t>30</a:t>
             </a:fld>
             <a:endParaRPr lang="en-US"/>
           </a:p>
@@ -3349,7 +3048,7 @@
           <a:p>
             <a:fld id="{5641018C-6CAF-B84E-B92C-ECB119457FBA}" type="slidenum">
               <a:rPr lang="en-US" smtClean="0"/>
-              <a:t>30</a:t>
+              <a:t>31</a:t>
             </a:fld>
             <a:endParaRPr lang="en-US"/>
           </a:p>
@@ -3526,7 +3225,7 @@
           <a:p>
             <a:fld id="{5641018C-6CAF-B84E-B92C-ECB119457FBA}" type="slidenum">
               <a:rPr lang="en-US" smtClean="0"/>
-              <a:t>31</a:t>
+              <a:t>32</a:t>
             </a:fld>
             <a:endParaRPr lang="en-US"/>
           </a:p>
@@ -4021,7 +3720,7 @@
           <a:p>
             <a:fld id="{5641018C-6CAF-B84E-B92C-ECB119457FBA}" type="slidenum">
               <a:rPr lang="en-US" smtClean="0"/>
-              <a:t>8</a:t>
+              <a:t>9</a:t>
             </a:fld>
             <a:endParaRPr lang="en-US"/>
           </a:p>
@@ -4114,7 +3813,7 @@
           <a:p>
             <a:fld id="{5641018C-6CAF-B84E-B92C-ECB119457FBA}" type="slidenum">
               <a:rPr lang="en-US" smtClean="0"/>
-              <a:t>10</a:t>
+              <a:t>11</a:t>
             </a:fld>
             <a:endParaRPr lang="en-US"/>
           </a:p>
@@ -26668,6 +26367,94 @@
           <a:chExt cx="0" cy="0"/>
         </a:xfrm>
       </p:grpSpPr>
+      <p:pic>
+        <p:nvPicPr>
+          <p:cNvPr id="5" name="Zástupný objekt pre obsah 4" descr="Obrázok, na ktorom je text, snímka obrazovky, písmo, jedálny lístok&#10;&#10;Obsah vygenerovaný pomocou AI môže byť nesprávny.">
+            <a:extLst>
+              <a:ext uri="{FF2B5EF4-FFF2-40B4-BE49-F238E27FC236}">
+                <a16:creationId xmlns:a16="http://schemas.microsoft.com/office/drawing/2014/main" id="{088681FF-D99A-1BFD-1BFB-DB9EA961014C}"/>
+              </a:ext>
+            </a:extLst>
+          </p:cNvPr>
+          <p:cNvPicPr>
+            <a:picLocks noGrp="1" noChangeAspect="1"/>
+          </p:cNvPicPr>
+          <p:nvPr>
+            <p:ph idx="1"/>
+          </p:nvPr>
+        </p:nvPicPr>
+        <p:blipFill>
+          <a:blip r:embed="rId2"/>
+          <a:stretch>
+            <a:fillRect/>
+          </a:stretch>
+        </p:blipFill>
+        <p:spPr>
+          <a:xfrm>
+            <a:off x="1264010" y="689499"/>
+            <a:ext cx="5926499" cy="4324742"/>
+          </a:xfrm>
+        </p:spPr>
+      </p:pic>
+      <p:sp>
+        <p:nvSpPr>
+          <p:cNvPr id="3" name="Nadpis 2">
+            <a:extLst>
+              <a:ext uri="{FF2B5EF4-FFF2-40B4-BE49-F238E27FC236}">
+                <a16:creationId xmlns:a16="http://schemas.microsoft.com/office/drawing/2014/main" id="{94FA5AB8-1A8F-45AB-AA83-E949D409E691}"/>
+              </a:ext>
+            </a:extLst>
+          </p:cNvPr>
+          <p:cNvSpPr>
+            <a:spLocks noGrp="1"/>
+          </p:cNvSpPr>
+          <p:nvPr>
+            <p:ph type="title"/>
+          </p:nvPr>
+        </p:nvSpPr>
+        <p:spPr/>
+        <p:txBody>
+          <a:bodyPr/>
+          <a:lstStyle/>
+          <a:p>
+            <a:r>
+              <a:rPr lang="en-US" noProof="0" dirty="0"/>
+              <a:t>Global view of packet processing</a:t>
+            </a:r>
+          </a:p>
+        </p:txBody>
+      </p:sp>
+    </p:spTree>
+    <p:extLst>
+      <p:ext uri="{BB962C8B-B14F-4D97-AF65-F5344CB8AC3E}">
+        <p14:creationId xmlns:p14="http://schemas.microsoft.com/office/powerpoint/2010/main" val="2581345861"/>
+      </p:ext>
+    </p:extLst>
+  </p:cSld>
+  <p:clrMapOvr>
+    <a:masterClrMapping/>
+  </p:clrMapOvr>
+  <p:transition/>
+</p:sld>
+</file>
+
+<file path=ppt/slides/slide11.xml><?xml version="1.0" encoding="utf-8"?>
+<p:sld xmlns:a="http://schemas.openxmlformats.org/drawingml/2006/main" xmlns:r="http://schemas.openxmlformats.org/officeDocument/2006/relationships" xmlns:p="http://schemas.openxmlformats.org/presentationml/2006/main">
+  <p:cSld>
+    <p:spTree>
+      <p:nvGrpSpPr>
+        <p:cNvPr id="1" name=""/>
+        <p:cNvGrpSpPr/>
+        <p:nvPr/>
+      </p:nvGrpSpPr>
+      <p:grpSpPr>
+        <a:xfrm>
+          <a:off x="0" y="0"/>
+          <a:ext cx="0" cy="0"/>
+          <a:chOff x="0" y="0"/>
+          <a:chExt cx="0" cy="0"/>
+        </a:xfrm>
+      </p:grpSpPr>
       <p:sp>
         <p:nvSpPr>
           <p:cNvPr id="2" name="Title 1"/>
@@ -26721,7 +26508,7 @@
 </p:sld>
 </file>
 
-<file path=ppt/slides/slide11.xml><?xml version="1.0" encoding="utf-8"?>
+<file path=ppt/slides/slide12.xml><?xml version="1.0" encoding="utf-8"?>
 <p:sld xmlns:a="http://schemas.openxmlformats.org/drawingml/2006/main" xmlns:r="http://schemas.openxmlformats.org/officeDocument/2006/relationships" xmlns:p="http://schemas.openxmlformats.org/presentationml/2006/main">
   <p:cSld>
     <p:spTree>
@@ -26963,7 +26750,7 @@
 </p:sld>
 </file>
 
-<file path=ppt/slides/slide12.xml><?xml version="1.0" encoding="utf-8"?>
+<file path=ppt/slides/slide13.xml><?xml version="1.0" encoding="utf-8"?>
 <p:sld xmlns:a="http://schemas.openxmlformats.org/drawingml/2006/main" xmlns:r="http://schemas.openxmlformats.org/officeDocument/2006/relationships" xmlns:p="http://schemas.openxmlformats.org/presentationml/2006/main">
   <p:cSld>
     <p:spTree>
@@ -27571,7 +27358,7 @@
 </p:sld>
 </file>
 
-<file path=ppt/slides/slide13.xml><?xml version="1.0" encoding="utf-8"?>
+<file path=ppt/slides/slide14.xml><?xml version="1.0" encoding="utf-8"?>
 <p:sld xmlns:a="http://schemas.openxmlformats.org/drawingml/2006/main" xmlns:r="http://schemas.openxmlformats.org/officeDocument/2006/relationships" xmlns:p="http://schemas.openxmlformats.org/presentationml/2006/main">
   <p:cSld>
     <p:spTree>
@@ -28082,7 +27869,7 @@
 </p:sld>
 </file>
 
-<file path=ppt/slides/slide14.xml><?xml version="1.0" encoding="utf-8"?>
+<file path=ppt/slides/slide15.xml><?xml version="1.0" encoding="utf-8"?>
 <p:sld xmlns:a="http://schemas.openxmlformats.org/drawingml/2006/main" xmlns:r="http://schemas.openxmlformats.org/officeDocument/2006/relationships" xmlns:p="http://schemas.openxmlformats.org/presentationml/2006/main">
   <p:cSld>
     <p:spTree>
@@ -28576,7 +28363,7 @@
 </p:sld>
 </file>
 
-<file path=ppt/slides/slide15.xml><?xml version="1.0" encoding="utf-8"?>
+<file path=ppt/slides/slide16.xml><?xml version="1.0" encoding="utf-8"?>
 <p:sld xmlns:a="http://schemas.openxmlformats.org/drawingml/2006/main" xmlns:r="http://schemas.openxmlformats.org/officeDocument/2006/relationships" xmlns:p="http://schemas.openxmlformats.org/presentationml/2006/main">
   <p:cSld>
     <p:spTree>
@@ -29138,227 +28925,6 @@
 </p:sld>
 </file>
 
-<file path=ppt/slides/slide16.xml><?xml version="1.0" encoding="utf-8"?>
-<p:sld xmlns:a="http://schemas.openxmlformats.org/drawingml/2006/main" xmlns:r="http://schemas.openxmlformats.org/officeDocument/2006/relationships" xmlns:p="http://schemas.openxmlformats.org/presentationml/2006/main">
-  <p:cSld>
-    <p:spTree>
-      <p:nvGrpSpPr>
-        <p:cNvPr id="1" name=""/>
-        <p:cNvGrpSpPr/>
-        <p:nvPr/>
-      </p:nvGrpSpPr>
-      <p:grpSpPr>
-        <a:xfrm>
-          <a:off x="0" y="0"/>
-          <a:ext cx="0" cy="0"/>
-          <a:chOff x="0" y="0"/>
-          <a:chExt cx="0" cy="0"/>
-        </a:xfrm>
-      </p:grpSpPr>
-      <p:sp>
-        <p:nvSpPr>
-          <p:cNvPr id="3" name="Title 2">
-            <a:extLst>
-              <a:ext uri="{FF2B5EF4-FFF2-40B4-BE49-F238E27FC236}">
-                <a16:creationId xmlns:a16="http://schemas.microsoft.com/office/drawing/2014/main" id="{C02AA8F8-1E43-384B-8982-C0BB94049B5C}"/>
-              </a:ext>
-            </a:extLst>
-          </p:cNvPr>
-          <p:cNvSpPr>
-            <a:spLocks noGrp="1"/>
-          </p:cNvSpPr>
-          <p:nvPr>
-            <p:ph type="title"/>
-          </p:nvPr>
-        </p:nvSpPr>
-        <p:spPr>
-          <a:xfrm>
-            <a:off x="0" y="0"/>
-            <a:ext cx="8345488" cy="731837"/>
-          </a:xfrm>
-        </p:spPr>
-        <p:txBody>
-          <a:bodyPr/>
-          <a:lstStyle/>
-          <a:p>
-            <a:r>
-              <a:rPr lang="en-US" sz="1600"/>
-              <a:t>Wildcard Masks in ACLs</a:t>
-            </a:r>
-            <a:br>
-              <a:rPr lang="en-US"/>
-            </a:br>
-            <a:r>
-              <a:rPr lang="en-US" sz="2400"/>
-              <a:t>Wildcard Mask Calculation</a:t>
-            </a:r>
-          </a:p>
-        </p:txBody>
-      </p:sp>
-      <p:sp>
-        <p:nvSpPr>
-          <p:cNvPr id="6" name="Content Placeholder 5">
-            <a:extLst>
-              <a:ext uri="{FF2B5EF4-FFF2-40B4-BE49-F238E27FC236}">
-                <a16:creationId xmlns:a16="http://schemas.microsoft.com/office/drawing/2014/main" id="{364D8DDC-34BF-0241-AB9B-7FA037D5BA12}"/>
-              </a:ext>
-            </a:extLst>
-          </p:cNvPr>
-          <p:cNvSpPr>
-            <a:spLocks noGrp="1"/>
-          </p:cNvSpPr>
-          <p:nvPr>
-            <p:ph idx="1"/>
-          </p:nvPr>
-        </p:nvSpPr>
-        <p:spPr>
-          <a:xfrm>
-            <a:off x="474662" y="731837"/>
-            <a:ext cx="8280057" cy="3689897"/>
-          </a:xfrm>
-        </p:spPr>
-        <p:txBody>
-          <a:bodyPr/>
-          <a:lstStyle/>
-          <a:p>
-            <a:pPr marL="0" indent="0" algn="l"/>
-            <a:r>
-              <a:rPr lang="en-US" sz="1800">
-                <a:solidFill>
-                  <a:srgbClr val="000000"/>
-                </a:solidFill>
-              </a:rPr>
-              <a:t>Calculating wildcard masks can be challenging. One shortcut method is to subtract the subnet mask from 255.255.255.255. Some examples:</a:t>
-            </a:r>
-          </a:p>
-          <a:p>
-            <a:pPr marL="342900" indent="-342900" algn="l">
-              <a:buFont typeface="Arial" panose="020B0604020202020204" pitchFamily="34" charset="0"/>
-              <a:buChar char="•"/>
-            </a:pPr>
-            <a:r>
-              <a:rPr lang="en-US" sz="1600">
-                <a:solidFill>
-                  <a:srgbClr val="000000"/>
-                </a:solidFill>
-              </a:rPr>
-              <a:t>Assume you wanted an ACE in ACL 10 to permit access to all users in the 192.168.3.0/24 network. To calculate the wildcard mask, subtract the subnet mask (255.255.255.0) from 255.255.255.255. This produces the wildcard mask 0.0.0.255. The ACE would be </a:t>
-            </a:r>
-            <a:r>
-              <a:rPr lang="en-US" sz="1600" b="1">
-                <a:solidFill>
-                  <a:srgbClr val="000000"/>
-                </a:solidFill>
-              </a:rPr>
-              <a:t>access-list 10 permit 192.168.3.0 0.0.0.255.</a:t>
-            </a:r>
-          </a:p>
-          <a:p>
-            <a:pPr marL="342900" indent="-342900" algn="l">
-              <a:buFont typeface="Arial" panose="020B0604020202020204" pitchFamily="34" charset="0"/>
-              <a:buChar char="•"/>
-            </a:pPr>
-            <a:r>
-              <a:rPr lang="en-US" sz="1600">
-                <a:solidFill>
-                  <a:srgbClr val="000000"/>
-                </a:solidFill>
-              </a:rPr>
-              <a:t>Assume you wanted an ACE in ACL 10 to permit network access for the 14 users in the subnet 192.168.3.32/28. Subtract the subnet (i.e., 255.255.255.240) from 255.255.255.255. This produces the wildcard mask 0.0.0.15. The ACE would be </a:t>
-            </a:r>
-            <a:r>
-              <a:rPr lang="en-US" sz="1600" b="1">
-                <a:solidFill>
-                  <a:srgbClr val="000000"/>
-                </a:solidFill>
-              </a:rPr>
-              <a:t>access-list 10 permit 192.168.3.32 0.0.0.15.</a:t>
-            </a:r>
-            <a:endParaRPr lang="en-US" sz="1600">
-              <a:solidFill>
-                <a:srgbClr val="000000"/>
-              </a:solidFill>
-            </a:endParaRPr>
-          </a:p>
-          <a:p>
-            <a:pPr marL="342900" indent="-342900" algn="l">
-              <a:buFont typeface="Arial" panose="020B0604020202020204" pitchFamily="34" charset="0"/>
-              <a:buChar char="•"/>
-            </a:pPr>
-            <a:r>
-              <a:rPr lang="en-US" sz="1600">
-                <a:solidFill>
-                  <a:srgbClr val="000000"/>
-                </a:solidFill>
-              </a:rPr>
-              <a:t>Assume you needed an ACE in ACL 10 to permit only networks 192.168.10.0 and 192.168.11.0. These two networks could be summarized as 192.168.10.0/23 which is a subnet mask of 255.255.254.0. Subtract 255.255.254.0 subnet mask from 255.255.255.255. This produces the wildcard mask 0.0.1.255. The ACE would be </a:t>
-            </a:r>
-            <a:r>
-              <a:rPr lang="en-US" sz="1600" b="1">
-                <a:solidFill>
-                  <a:srgbClr val="000000"/>
-                </a:solidFill>
-              </a:rPr>
-              <a:t>access-list 10 permit 192.168.10.0 0.0.1.255.</a:t>
-            </a:r>
-            <a:endParaRPr lang="en-US" sz="1600">
-              <a:solidFill>
-                <a:srgbClr val="000000"/>
-              </a:solidFill>
-            </a:endParaRPr>
-          </a:p>
-          <a:p>
-            <a:pPr marL="342900" indent="-342900" algn="l">
-              <a:buFont typeface="Arial" panose="020B0604020202020204" pitchFamily="34" charset="0"/>
-              <a:buChar char="•"/>
-            </a:pPr>
-            <a:endParaRPr lang="en-US" sz="1800">
-              <a:solidFill>
-                <a:srgbClr val="000000"/>
-              </a:solidFill>
-            </a:endParaRPr>
-          </a:p>
-          <a:p>
-            <a:pPr marL="342900" indent="-342900" algn="l">
-              <a:buFont typeface="Arial" panose="020B0604020202020204" pitchFamily="34" charset="0"/>
-              <a:buChar char="•"/>
-            </a:pPr>
-            <a:endParaRPr lang="en-US" sz="1800">
-              <a:solidFill>
-                <a:srgbClr val="000000"/>
-              </a:solidFill>
-            </a:endParaRPr>
-          </a:p>
-        </p:txBody>
-      </p:sp>
-    </p:spTree>
-    <p:custDataLst>
-      <p:tags r:id="rId1"/>
-    </p:custDataLst>
-    <p:extLst>
-      <p:ext uri="{BB962C8B-B14F-4D97-AF65-F5344CB8AC3E}">
-        <p14:creationId xmlns:p14="http://schemas.microsoft.com/office/powerpoint/2010/main" val="2509537800"/>
-      </p:ext>
-    </p:extLst>
-  </p:cSld>
-  <p:clrMapOvr>
-    <a:masterClrMapping/>
-  </p:clrMapOvr>
-  <mc:AlternateContent xmlns:mc="http://schemas.openxmlformats.org/markup-compatibility/2006" xmlns:p14="http://schemas.microsoft.com/office/powerpoint/2010/main">
-    <mc:Choice Requires="p14">
-      <p:transition spd="med" p14:dur="700">
-        <p:fade/>
-      </p:transition>
-    </mc:Choice>
-    <mc:Fallback xmlns="">
-      <p:transition xmlns:p14="http://schemas.microsoft.com/office/powerpoint/2010/main" spd="med">
-        <p:fade/>
-      </p:transition>
-    </mc:Fallback>
-  </mc:AlternateContent>
-</p:sld>
-</file>
-
 <file path=ppt/slides/slide17.xml><?xml version="1.0" encoding="utf-8"?>
 <p:sld xmlns:a="http://schemas.openxmlformats.org/drawingml/2006/main" xmlns:r="http://schemas.openxmlformats.org/officeDocument/2006/relationships" xmlns:p="http://schemas.openxmlformats.org/presentationml/2006/main">
   <p:cSld>
@@ -29411,17 +28977,17 @@
             </a:br>
             <a:r>
               <a:rPr lang="en-US" sz="2400"/>
-              <a:t>Wildcard Mask Keywords</a:t>
+              <a:t>Wildcard Mask Calculation</a:t>
             </a:r>
           </a:p>
         </p:txBody>
       </p:sp>
       <p:sp>
         <p:nvSpPr>
-          <p:cNvPr id="4" name="Content Placeholder 3">
+          <p:cNvPr id="6" name="Content Placeholder 5">
             <a:extLst>
               <a:ext uri="{FF2B5EF4-FFF2-40B4-BE49-F238E27FC236}">
-                <a16:creationId xmlns:a16="http://schemas.microsoft.com/office/drawing/2014/main" id="{5215CBA2-A914-3C4A-990E-73359DAA5DB9}"/>
+                <a16:creationId xmlns:a16="http://schemas.microsoft.com/office/drawing/2014/main" id="{364D8DDC-34BF-0241-AB9B-7FA037D5BA12}"/>
               </a:ext>
             </a:extLst>
           </p:cNvPr>
@@ -29439,19 +29005,17 @@
           </a:xfrm>
         </p:spPr>
         <p:txBody>
-          <a:bodyPr lIns="91420" tIns="45710" rIns="91420" bIns="45710" anchor="t">
-            <a:noAutofit/>
-          </a:bodyPr>
+          <a:bodyPr/>
           <a:lstStyle/>
           <a:p>
             <a:pPr marL="0" indent="0" algn="l"/>
             <a:r>
-              <a:rPr lang="en-US" sz="1600" dirty="0">
+              <a:rPr lang="en-US" sz="1800">
                 <a:solidFill>
                   <a:srgbClr val="000000"/>
                 </a:solidFill>
               </a:rPr>
-              <a:t>The Cisco IOS provides two keywords to identify the most common uses of wildcard masking. The two keywords are:</a:t>
+              <a:t>Calculating wildcard masks can be challenging. One shortcut method is to subtract the subnet mask from 255.255.255.255. Some examples:</a:t>
             </a:r>
           </a:p>
           <a:p>
@@ -29460,20 +29024,20 @@
               <a:buChar char="•"/>
             </a:pPr>
             <a:r>
-              <a:rPr lang="en-US" sz="1600" b="1" dirty="0">
+              <a:rPr lang="en-US" sz="1600">
                 <a:solidFill>
                   <a:srgbClr val="000000"/>
                 </a:solidFill>
               </a:rPr>
-              <a:t>host</a:t>
-            </a:r>
-            <a:r>
-              <a:rPr lang="en-US" sz="1600" dirty="0">
+              <a:t>Assume you wanted an ACE in ACL 10 to permit access to all users in the 192.168.3.0/24 network. To calculate the wildcard mask, subtract the subnet mask (255.255.255.0) from 255.255.255.255. This produces the wildcard mask 0.0.0.255. The ACE would be </a:t>
+            </a:r>
+            <a:r>
+              <a:rPr lang="en-US" sz="1600" b="1">
                 <a:solidFill>
                   <a:srgbClr val="000000"/>
                 </a:solidFill>
               </a:rPr>
-              <a:t> - This keyword substitutes for the 0.0.0.0 mask. This mask states that all IPv4 address bits must match to filter just one host address.</a:t>
+              <a:t>access-list 10 permit 192.168.3.0 0.0.0.255.</a:t>
             </a:r>
           </a:p>
           <a:p>
@@ -29482,28 +29046,49 @@
               <a:buChar char="•"/>
             </a:pPr>
             <a:r>
-              <a:rPr lang="en-US" sz="1600" b="1" dirty="0">
+              <a:rPr lang="en-US" sz="1600">
                 <a:solidFill>
                   <a:srgbClr val="000000"/>
                 </a:solidFill>
               </a:rPr>
-              <a:t>any</a:t>
-            </a:r>
-            <a:r>
-              <a:rPr lang="en-US" sz="1600" dirty="0">
+              <a:t>Assume you wanted an ACE in ACL 10 to permit network access for the 14 users in the subnet 192.168.3.32/28. Subtract the subnet (i.e., 255.255.255.240) from 255.255.255.255. This produces the wildcard mask 0.0.0.15. The ACE would be </a:t>
+            </a:r>
+            <a:r>
+              <a:rPr lang="en-US" sz="1600" b="1">
                 <a:solidFill>
                   <a:srgbClr val="000000"/>
                 </a:solidFill>
               </a:rPr>
-              <a:t> - This keyword substitutes for the 255.255.255.255 mask. This mask says to ignore the entire IPv4 address or to accept any addresses.</a:t>
-            </a:r>
+              <a:t>access-list 10 permit 192.168.3.32 0.0.0.15.</a:t>
+            </a:r>
+            <a:endParaRPr lang="en-US" sz="1600">
+              <a:solidFill>
+                <a:srgbClr val="000000"/>
+              </a:solidFill>
+            </a:endParaRPr>
           </a:p>
           <a:p>
             <a:pPr marL="342900" indent="-342900" algn="l">
               <a:buFont typeface="Arial" panose="020B0604020202020204" pitchFamily="34" charset="0"/>
               <a:buChar char="•"/>
             </a:pPr>
-            <a:endParaRPr lang="en-US" sz="1600" dirty="0">
+            <a:r>
+              <a:rPr lang="en-US" sz="1600">
+                <a:solidFill>
+                  <a:srgbClr val="000000"/>
+                </a:solidFill>
+              </a:rPr>
+              <a:t>Assume you needed an ACE in ACL 10 to permit only networks 192.168.10.0 and 192.168.11.0. These two networks could be summarized as 192.168.10.0/23 which is a subnet mask of 255.255.254.0. Subtract 255.255.254.0 subnet mask from 255.255.255.255. This produces the wildcard mask 0.0.1.255. The ACE would be </a:t>
+            </a:r>
+            <a:r>
+              <a:rPr lang="en-US" sz="1600" b="1">
+                <a:solidFill>
+                  <a:srgbClr val="000000"/>
+                </a:solidFill>
+              </a:rPr>
+              <a:t>access-list 10 permit 192.168.10.0 0.0.1.255.</a:t>
+            </a:r>
+            <a:endParaRPr lang="en-US" sz="1600">
               <a:solidFill>
                 <a:srgbClr val="000000"/>
               </a:solidFill>
@@ -29514,37 +29099,18 @@
               <a:buFont typeface="Arial" panose="020B0604020202020204" pitchFamily="34" charset="0"/>
               <a:buChar char="•"/>
             </a:pPr>
-            <a:r>
-              <a:rPr lang="en-US" sz="1600" dirty="0">
-                <a:solidFill>
-                  <a:srgbClr val="000000"/>
-                </a:solidFill>
-                <a:ea typeface="ＭＳ Ｐゴシック"/>
-              </a:rPr>
-              <a:t>Access-list 10 deny 1.2.3.4</a:t>
-            </a:r>
+            <a:endParaRPr lang="en-US" sz="1800">
+              <a:solidFill>
+                <a:srgbClr val="000000"/>
+              </a:solidFill>
+            </a:endParaRPr>
           </a:p>
           <a:p>
             <a:pPr marL="342900" indent="-342900" algn="l">
               <a:buFont typeface="Arial" panose="020B0604020202020204" pitchFamily="34" charset="0"/>
               <a:buChar char="•"/>
             </a:pPr>
-            <a:r>
-              <a:rPr lang="en-US" sz="1600" dirty="0">
-                <a:solidFill>
-                  <a:srgbClr val="000000"/>
-                </a:solidFill>
-                <a:ea typeface="ＭＳ Ｐゴシック"/>
-              </a:rPr>
-              <a:t>Access-list 10 permit any</a:t>
-            </a:r>
-          </a:p>
-          <a:p>
-            <a:pPr marL="342900" indent="-342900" algn="l">
-              <a:buFont typeface="Arial" panose="020B0604020202020204" pitchFamily="34" charset="0"/>
-              <a:buChar char="•"/>
-            </a:pPr>
-            <a:endParaRPr lang="en-US" sz="1600" dirty="0">
+            <a:endParaRPr lang="en-US" sz="1800">
               <a:solidFill>
                 <a:srgbClr val="000000"/>
               </a:solidFill>
@@ -29558,7 +29124,7 @@
     </p:custDataLst>
     <p:extLst>
       <p:ext uri="{BB962C8B-B14F-4D97-AF65-F5344CB8AC3E}">
-        <p14:creationId xmlns:p14="http://schemas.microsoft.com/office/powerpoint/2010/main" val="1669320979"/>
+        <p14:creationId xmlns:p14="http://schemas.microsoft.com/office/powerpoint/2010/main" val="2509537800"/>
       </p:ext>
     </p:extLst>
   </p:cSld>
@@ -29581,76 +29147,6 @@
 </file>
 
 <file path=ppt/slides/slide18.xml><?xml version="1.0" encoding="utf-8"?>
-<p:sld xmlns:a="http://schemas.openxmlformats.org/drawingml/2006/main" xmlns:r="http://schemas.openxmlformats.org/officeDocument/2006/relationships" xmlns:p="http://schemas.openxmlformats.org/presentationml/2006/main">
-  <p:cSld>
-    <p:spTree>
-      <p:nvGrpSpPr>
-        <p:cNvPr id="1" name=""/>
-        <p:cNvGrpSpPr/>
-        <p:nvPr/>
-      </p:nvGrpSpPr>
-      <p:grpSpPr>
-        <a:xfrm>
-          <a:off x="0" y="0"/>
-          <a:ext cx="0" cy="0"/>
-          <a:chOff x="0" y="0"/>
-          <a:chExt cx="0" cy="0"/>
-        </a:xfrm>
-      </p:grpSpPr>
-      <p:sp>
-        <p:nvSpPr>
-          <p:cNvPr id="2" name="Title 1"/>
-          <p:cNvSpPr>
-            <a:spLocks noGrp="1"/>
-          </p:cNvSpPr>
-          <p:nvPr>
-            <p:ph type="ctrTitle"/>
-          </p:nvPr>
-        </p:nvSpPr>
-        <p:spPr>
-          <a:xfrm>
-            <a:off x="416425" y="1788160"/>
-            <a:ext cx="7848344" cy="929640"/>
-          </a:xfrm>
-        </p:spPr>
-        <p:txBody>
-          <a:bodyPr/>
-          <a:lstStyle/>
-          <a:p>
-            <a:r>
-              <a:rPr lang="en-US">
-                <a:solidFill>
-                  <a:schemeClr val="accent5">
-                    <a:lumMod val="40000"/>
-                    <a:lumOff val="60000"/>
-                  </a:schemeClr>
-                </a:solidFill>
-              </a:rPr>
-              <a:t>4.3 Guidelines for ACL Creation</a:t>
-            </a:r>
-          </a:p>
-        </p:txBody>
-      </p:sp>
-    </p:spTree>
-    <p:custDataLst>
-      <p:tags r:id="rId1"/>
-    </p:custDataLst>
-    <p:extLst>
-      <p:ext uri="{BB962C8B-B14F-4D97-AF65-F5344CB8AC3E}">
-        <p14:creationId xmlns:p14="http://schemas.microsoft.com/office/powerpoint/2010/main" val="1016896985"/>
-      </p:ext>
-    </p:extLst>
-  </p:cSld>
-  <p:clrMapOvr>
-    <a:masterClrMapping/>
-  </p:clrMapOvr>
-  <p:transition spd="slow">
-    <p:wipe/>
-  </p:transition>
-</p:sld>
-</file>
-
-<file path=ppt/slides/slide19.xml><?xml version="1.0" encoding="utf-8"?>
 <p:sld xmlns:a="http://schemas.openxmlformats.org/drawingml/2006/main" xmlns:r="http://schemas.openxmlformats.org/officeDocument/2006/relationships" xmlns:p="http://schemas.openxmlformats.org/presentationml/2006/main">
   <p:cSld>
     <p:spTree>
@@ -29695,24 +29191,24 @@
           <a:p>
             <a:r>
               <a:rPr lang="en-US" sz="1600"/>
-              <a:t>Guidelines for ACL Creation</a:t>
+              <a:t>Wildcard Masks in ACLs</a:t>
             </a:r>
             <a:br>
               <a:rPr lang="en-US"/>
             </a:br>
             <a:r>
               <a:rPr lang="en-US" sz="2400"/>
-              <a:t>Limited Number of ACLs per Interface</a:t>
+              <a:t>Wildcard Mask Keywords</a:t>
             </a:r>
           </a:p>
         </p:txBody>
       </p:sp>
       <p:sp>
         <p:nvSpPr>
-          <p:cNvPr id="5" name="Content Placeholder 4">
+          <p:cNvPr id="4" name="Content Placeholder 3">
             <a:extLst>
               <a:ext uri="{FF2B5EF4-FFF2-40B4-BE49-F238E27FC236}">
-                <a16:creationId xmlns:a16="http://schemas.microsoft.com/office/drawing/2014/main" id="{F97EAED2-1894-4945-BC7B-07578448B148}"/>
+                <a16:creationId xmlns:a16="http://schemas.microsoft.com/office/drawing/2014/main" id="{5215CBA2-A914-3C4A-990E-73359DAA5DB9}"/>
               </a:ext>
             </a:extLst>
           </p:cNvPr>
@@ -29725,57 +29221,24 @@
         </p:nvSpPr>
         <p:spPr>
           <a:xfrm>
-            <a:off x="474662" y="731838"/>
-            <a:ext cx="8280057" cy="1104220"/>
+            <a:off x="474662" y="731837"/>
+            <a:ext cx="8280057" cy="3689897"/>
           </a:xfrm>
         </p:spPr>
         <p:txBody>
-          <a:bodyPr/>
+          <a:bodyPr lIns="91420" tIns="45710" rIns="91420" bIns="45710" anchor="t">
+            <a:noAutofit/>
+          </a:bodyPr>
           <a:lstStyle/>
           <a:p>
             <a:pPr marL="0" indent="0" algn="l"/>
             <a:r>
-              <a:rPr lang="en-US" sz="1600">
+              <a:rPr lang="en-US" sz="1600" dirty="0">
                 <a:solidFill>
                   <a:srgbClr val="000000"/>
                 </a:solidFill>
               </a:rPr>
-              <a:t>There is a limit on the number of ACLs that can be applied on a router interface. For example, a dual-stacked (</a:t>
-            </a:r>
-            <a:r>
-              <a:rPr lang="en-US" sz="1600" err="1">
-                <a:solidFill>
-                  <a:srgbClr val="000000"/>
-                </a:solidFill>
-              </a:rPr>
-              <a:t>i.e</a:t>
-            </a:r>
-            <a:r>
-              <a:rPr lang="en-US" sz="1600">
-                <a:solidFill>
-                  <a:srgbClr val="000000"/>
-                </a:solidFill>
-              </a:rPr>
-              <a:t>, IPv4 and IPv6) router interface can have up to four ACLs applied, as shown in the figure.</a:t>
-            </a:r>
-            <a:r>
-              <a:rPr lang="en-US" sz="1600" b="1">
-                <a:solidFill>
-                  <a:srgbClr val="000000"/>
-                </a:solidFill>
-              </a:rPr>
-              <a:t> </a:t>
-            </a:r>
-          </a:p>
-          <a:p>
-            <a:pPr marL="0" indent="0" algn="l"/>
-            <a:r>
-              <a:rPr lang="en-US" sz="1600">
-                <a:solidFill>
-                  <a:srgbClr val="000000"/>
-                </a:solidFill>
-              </a:rPr>
-              <a:t>Specifically, a router interface can have:</a:t>
+              <a:t>The Cisco IOS provides two keywords to identify the most common uses of wildcard masking. The two keywords are:</a:t>
             </a:r>
           </a:p>
           <a:p>
@@ -29783,15 +29246,92 @@
               <a:buFont typeface="Arial" panose="020B0604020202020204" pitchFamily="34" charset="0"/>
               <a:buChar char="•"/>
             </a:pPr>
-            <a:endParaRPr lang="en-US" sz="1400">
+            <a:r>
+              <a:rPr lang="en-US" sz="1600" b="1" dirty="0">
+                <a:solidFill>
+                  <a:srgbClr val="000000"/>
+                </a:solidFill>
+              </a:rPr>
+              <a:t>host</a:t>
+            </a:r>
+            <a:r>
+              <a:rPr lang="en-US" sz="1600" dirty="0">
+                <a:solidFill>
+                  <a:srgbClr val="000000"/>
+                </a:solidFill>
+              </a:rPr>
+              <a:t> - This keyword substitutes for the 0.0.0.0 mask. This mask states that all IPv4 address bits must match to filter just one host address.</a:t>
+            </a:r>
+          </a:p>
+          <a:p>
+            <a:pPr marL="342900" indent="-342900" algn="l">
+              <a:buFont typeface="Arial" panose="020B0604020202020204" pitchFamily="34" charset="0"/>
+              <a:buChar char="•"/>
+            </a:pPr>
+            <a:r>
+              <a:rPr lang="en-US" sz="1600" b="1" dirty="0">
+                <a:solidFill>
+                  <a:srgbClr val="000000"/>
+                </a:solidFill>
+              </a:rPr>
+              <a:t>any</a:t>
+            </a:r>
+            <a:r>
+              <a:rPr lang="en-US" sz="1600" dirty="0">
+                <a:solidFill>
+                  <a:srgbClr val="000000"/>
+                </a:solidFill>
+              </a:rPr>
+              <a:t> - This keyword substitutes for the 255.255.255.255 mask. This mask says to ignore the entire IPv4 address or to accept any addresses.</a:t>
+            </a:r>
+          </a:p>
+          <a:p>
+            <a:pPr marL="342900" indent="-342900" algn="l">
+              <a:buFont typeface="Arial" panose="020B0604020202020204" pitchFamily="34" charset="0"/>
+              <a:buChar char="•"/>
+            </a:pPr>
+            <a:endParaRPr lang="en-US" sz="1600" dirty="0">
               <a:solidFill>
                 <a:srgbClr val="000000"/>
               </a:solidFill>
             </a:endParaRPr>
           </a:p>
           <a:p>
-            <a:pPr marL="0" indent="0" algn="l"/>
-            <a:endParaRPr lang="en-US" sz="1600">
+            <a:pPr marL="342900" indent="-342900" algn="l">
+              <a:buFont typeface="Arial" panose="020B0604020202020204" pitchFamily="34" charset="0"/>
+              <a:buChar char="•"/>
+            </a:pPr>
+            <a:r>
+              <a:rPr lang="en-US" sz="1600" dirty="0">
+                <a:solidFill>
+                  <a:srgbClr val="000000"/>
+                </a:solidFill>
+                <a:ea typeface="ＭＳ Ｐゴシック"/>
+              </a:rPr>
+              <a:t>Access-list 10 deny 1.2.3.4</a:t>
+            </a:r>
+          </a:p>
+          <a:p>
+            <a:pPr marL="342900" indent="-342900" algn="l">
+              <a:buFont typeface="Arial" panose="020B0604020202020204" pitchFamily="34" charset="0"/>
+              <a:buChar char="•"/>
+            </a:pPr>
+            <a:r>
+              <a:rPr lang="en-US" sz="1600" dirty="0">
+                <a:solidFill>
+                  <a:srgbClr val="000000"/>
+                </a:solidFill>
+                <a:ea typeface="ＭＳ Ｐゴシック"/>
+              </a:rPr>
+              <a:t>Access-list 10 permit any</a:t>
+            </a:r>
+          </a:p>
+          <a:p>
+            <a:pPr marL="342900" indent="-342900" algn="l">
+              <a:buFont typeface="Arial" panose="020B0604020202020204" pitchFamily="34" charset="0"/>
+              <a:buChar char="•"/>
+            </a:pPr>
+            <a:endParaRPr lang="en-US" sz="1600" dirty="0">
               <a:solidFill>
                 <a:srgbClr val="000000"/>
               </a:solidFill>
@@ -29799,178 +29339,13 @@
           </a:p>
         </p:txBody>
       </p:sp>
-      <p:sp>
-        <p:nvSpPr>
-          <p:cNvPr id="2" name="Rectangle 1">
-            <a:extLst>
-              <a:ext uri="{FF2B5EF4-FFF2-40B4-BE49-F238E27FC236}">
-                <a16:creationId xmlns:a16="http://schemas.microsoft.com/office/drawing/2014/main" id="{6EF701E8-07B2-4B78-8D1C-99FCCAB5E3EF}"/>
-              </a:ext>
-            </a:extLst>
-          </p:cNvPr>
-          <p:cNvSpPr/>
-          <p:nvPr/>
-        </p:nvSpPr>
-        <p:spPr>
-          <a:xfrm>
-            <a:off x="474662" y="1868036"/>
-            <a:ext cx="3931996" cy="2369880"/>
-          </a:xfrm>
-          <a:prstGeom prst="rect">
-            <a:avLst/>
-          </a:prstGeom>
-        </p:spPr>
-        <p:txBody>
-          <a:bodyPr wrap="square">
-            <a:spAutoFit/>
-          </a:bodyPr>
-          <a:lstStyle/>
-          <a:p>
-            <a:pPr marL="342900" indent="-342900">
-              <a:buFont typeface="Arial" panose="020B0604020202020204" pitchFamily="34" charset="0"/>
-              <a:buChar char="•"/>
-            </a:pPr>
-            <a:r>
-              <a:rPr lang="en-US" sz="1600">
-                <a:solidFill>
-                  <a:srgbClr val="000000"/>
-                </a:solidFill>
-              </a:rPr>
-              <a:t>One outbound IPv4 ACL.</a:t>
-            </a:r>
-          </a:p>
-          <a:p>
-            <a:pPr marL="342900" indent="-342900">
-              <a:buFont typeface="Arial" panose="020B0604020202020204" pitchFamily="34" charset="0"/>
-              <a:buChar char="•"/>
-            </a:pPr>
-            <a:r>
-              <a:rPr lang="en-US" sz="1600">
-                <a:solidFill>
-                  <a:srgbClr val="000000"/>
-                </a:solidFill>
-              </a:rPr>
-              <a:t>One inbound IPv4 ACL.</a:t>
-            </a:r>
-          </a:p>
-          <a:p>
-            <a:pPr marL="342900" indent="-342900">
-              <a:buFont typeface="Arial" panose="020B0604020202020204" pitchFamily="34" charset="0"/>
-              <a:buChar char="•"/>
-            </a:pPr>
-            <a:r>
-              <a:rPr lang="en-US" sz="1600">
-                <a:solidFill>
-                  <a:srgbClr val="000000"/>
-                </a:solidFill>
-              </a:rPr>
-              <a:t>One inbound IPv6 ACL.</a:t>
-            </a:r>
-          </a:p>
-          <a:p>
-            <a:pPr marL="342900" indent="-342900">
-              <a:buFont typeface="Arial" panose="020B0604020202020204" pitchFamily="34" charset="0"/>
-              <a:buChar char="•"/>
-            </a:pPr>
-            <a:r>
-              <a:rPr lang="en-US" sz="1600">
-                <a:solidFill>
-                  <a:srgbClr val="000000"/>
-                </a:solidFill>
-              </a:rPr>
-              <a:t>One outbound IPv6 ACL.</a:t>
-            </a:r>
-          </a:p>
-          <a:p>
-            <a:pPr marL="342900" indent="-342900">
-              <a:buFont typeface="Arial" panose="020B0604020202020204" pitchFamily="34" charset="0"/>
-              <a:buChar char="•"/>
-            </a:pPr>
-            <a:endParaRPr lang="en-US" sz="1200" b="1">
-              <a:solidFill>
-                <a:srgbClr val="000000"/>
-              </a:solidFill>
-            </a:endParaRPr>
-          </a:p>
-          <a:p>
-            <a:pPr marL="342900" indent="-342900">
-              <a:buFont typeface="Arial" panose="020B0604020202020204" pitchFamily="34" charset="0"/>
-              <a:buChar char="•"/>
-            </a:pPr>
-            <a:endParaRPr lang="en-US" sz="1200" b="1">
-              <a:solidFill>
-                <a:srgbClr val="000000"/>
-              </a:solidFill>
-            </a:endParaRPr>
-          </a:p>
-          <a:p>
-            <a:pPr marL="342900" indent="-342900">
-              <a:buFont typeface="Arial" panose="020B0604020202020204" pitchFamily="34" charset="0"/>
-              <a:buChar char="•"/>
-            </a:pPr>
-            <a:endParaRPr lang="en-US" sz="1200" b="1">
-              <a:solidFill>
-                <a:srgbClr val="000000"/>
-              </a:solidFill>
-            </a:endParaRPr>
-          </a:p>
-          <a:p>
-            <a:r>
-              <a:rPr lang="en-US" sz="1200" b="1">
-                <a:solidFill>
-                  <a:srgbClr val="000000"/>
-                </a:solidFill>
-              </a:rPr>
-              <a:t>Note</a:t>
-            </a:r>
-            <a:r>
-              <a:rPr lang="en-US" sz="1200">
-                <a:solidFill>
-                  <a:srgbClr val="000000"/>
-                </a:solidFill>
-              </a:rPr>
-              <a:t>: ACLs do not have to be configured in both directions. The number of ACLs and their direction applied to the interface will depend on the security policy of the organization.</a:t>
-            </a:r>
-          </a:p>
-        </p:txBody>
-      </p:sp>
-      <p:pic>
-        <p:nvPicPr>
-          <p:cNvPr id="7" name="Picture 6">
-            <a:extLst>
-              <a:ext uri="{FF2B5EF4-FFF2-40B4-BE49-F238E27FC236}">
-                <a16:creationId xmlns:a16="http://schemas.microsoft.com/office/drawing/2014/main" id="{BD109AAC-C779-C54A-B871-5288A9E91D19}"/>
-              </a:ext>
-            </a:extLst>
-          </p:cNvPr>
-          <p:cNvPicPr>
-            <a:picLocks noChangeAspect="1"/>
-          </p:cNvPicPr>
-          <p:nvPr/>
-        </p:nvPicPr>
-        <p:blipFill>
-          <a:blip r:embed="rId4"/>
-          <a:stretch>
-            <a:fillRect/>
-          </a:stretch>
-        </p:blipFill>
-        <p:spPr>
-          <a:xfrm>
-            <a:off x="4572000" y="2054578"/>
-            <a:ext cx="3686009" cy="2766236"/>
-          </a:xfrm>
-          <a:prstGeom prst="rect">
-            <a:avLst/>
-          </a:prstGeom>
-        </p:spPr>
-      </p:pic>
     </p:spTree>
     <p:custDataLst>
       <p:tags r:id="rId1"/>
     </p:custDataLst>
     <p:extLst>
       <p:ext uri="{BB962C8B-B14F-4D97-AF65-F5344CB8AC3E}">
-        <p14:creationId xmlns:p14="http://schemas.microsoft.com/office/powerpoint/2010/main" val="4215459012"/>
+        <p14:creationId xmlns:p14="http://schemas.microsoft.com/office/powerpoint/2010/main" val="1669320979"/>
       </p:ext>
     </p:extLst>
   </p:cSld>
@@ -29989,6 +29364,76 @@
       </p:transition>
     </mc:Fallback>
   </mc:AlternateContent>
+</p:sld>
+</file>
+
+<file path=ppt/slides/slide19.xml><?xml version="1.0" encoding="utf-8"?>
+<p:sld xmlns:a="http://schemas.openxmlformats.org/drawingml/2006/main" xmlns:r="http://schemas.openxmlformats.org/officeDocument/2006/relationships" xmlns:p="http://schemas.openxmlformats.org/presentationml/2006/main">
+  <p:cSld>
+    <p:spTree>
+      <p:nvGrpSpPr>
+        <p:cNvPr id="1" name=""/>
+        <p:cNvGrpSpPr/>
+        <p:nvPr/>
+      </p:nvGrpSpPr>
+      <p:grpSpPr>
+        <a:xfrm>
+          <a:off x="0" y="0"/>
+          <a:ext cx="0" cy="0"/>
+          <a:chOff x="0" y="0"/>
+          <a:chExt cx="0" cy="0"/>
+        </a:xfrm>
+      </p:grpSpPr>
+      <p:sp>
+        <p:nvSpPr>
+          <p:cNvPr id="2" name="Title 1"/>
+          <p:cNvSpPr>
+            <a:spLocks noGrp="1"/>
+          </p:cNvSpPr>
+          <p:nvPr>
+            <p:ph type="ctrTitle"/>
+          </p:nvPr>
+        </p:nvSpPr>
+        <p:spPr>
+          <a:xfrm>
+            <a:off x="416425" y="1788160"/>
+            <a:ext cx="7848344" cy="929640"/>
+          </a:xfrm>
+        </p:spPr>
+        <p:txBody>
+          <a:bodyPr/>
+          <a:lstStyle/>
+          <a:p>
+            <a:r>
+              <a:rPr lang="en-US">
+                <a:solidFill>
+                  <a:schemeClr val="accent5">
+                    <a:lumMod val="40000"/>
+                    <a:lumOff val="60000"/>
+                  </a:schemeClr>
+                </a:solidFill>
+              </a:rPr>
+              <a:t>4.3 Guidelines for ACL Creation</a:t>
+            </a:r>
+          </a:p>
+        </p:txBody>
+      </p:sp>
+    </p:spTree>
+    <p:custDataLst>
+      <p:tags r:id="rId1"/>
+    </p:custDataLst>
+    <p:extLst>
+      <p:ext uri="{BB962C8B-B14F-4D97-AF65-F5344CB8AC3E}">
+        <p14:creationId xmlns:p14="http://schemas.microsoft.com/office/powerpoint/2010/main" val="1016896985"/>
+      </p:ext>
+    </p:extLst>
+  </p:cSld>
+  <p:clrMapOvr>
+    <a:masterClrMapping/>
+  </p:clrMapOvr>
+  <p:transition spd="slow">
+    <p:wipe/>
+  </p:transition>
 </p:sld>
 </file>
 
@@ -30521,6 +29966,348 @@
             </a:br>
             <a:r>
               <a:rPr lang="en-US" sz="2400"/>
+              <a:t>Limited Number of ACLs per Interface</a:t>
+            </a:r>
+          </a:p>
+        </p:txBody>
+      </p:sp>
+      <p:sp>
+        <p:nvSpPr>
+          <p:cNvPr id="5" name="Content Placeholder 4">
+            <a:extLst>
+              <a:ext uri="{FF2B5EF4-FFF2-40B4-BE49-F238E27FC236}">
+                <a16:creationId xmlns:a16="http://schemas.microsoft.com/office/drawing/2014/main" id="{F97EAED2-1894-4945-BC7B-07578448B148}"/>
+              </a:ext>
+            </a:extLst>
+          </p:cNvPr>
+          <p:cNvSpPr>
+            <a:spLocks noGrp="1"/>
+          </p:cNvSpPr>
+          <p:nvPr>
+            <p:ph idx="1"/>
+          </p:nvPr>
+        </p:nvSpPr>
+        <p:spPr>
+          <a:xfrm>
+            <a:off x="474662" y="731838"/>
+            <a:ext cx="8280057" cy="1104220"/>
+          </a:xfrm>
+        </p:spPr>
+        <p:txBody>
+          <a:bodyPr/>
+          <a:lstStyle/>
+          <a:p>
+            <a:pPr marL="0" indent="0" algn="l"/>
+            <a:r>
+              <a:rPr lang="en-US" sz="1600">
+                <a:solidFill>
+                  <a:srgbClr val="000000"/>
+                </a:solidFill>
+              </a:rPr>
+              <a:t>There is a limit on the number of ACLs that can be applied on a router interface. For example, a dual-stacked (</a:t>
+            </a:r>
+            <a:r>
+              <a:rPr lang="en-US" sz="1600" err="1">
+                <a:solidFill>
+                  <a:srgbClr val="000000"/>
+                </a:solidFill>
+              </a:rPr>
+              <a:t>i.e</a:t>
+            </a:r>
+            <a:r>
+              <a:rPr lang="en-US" sz="1600">
+                <a:solidFill>
+                  <a:srgbClr val="000000"/>
+                </a:solidFill>
+              </a:rPr>
+              <a:t>, IPv4 and IPv6) router interface can have up to four ACLs applied, as shown in the figure.</a:t>
+            </a:r>
+            <a:r>
+              <a:rPr lang="en-US" sz="1600" b="1">
+                <a:solidFill>
+                  <a:srgbClr val="000000"/>
+                </a:solidFill>
+              </a:rPr>
+              <a:t> </a:t>
+            </a:r>
+          </a:p>
+          <a:p>
+            <a:pPr marL="0" indent="0" algn="l"/>
+            <a:r>
+              <a:rPr lang="en-US" sz="1600">
+                <a:solidFill>
+                  <a:srgbClr val="000000"/>
+                </a:solidFill>
+              </a:rPr>
+              <a:t>Specifically, a router interface can have:</a:t>
+            </a:r>
+          </a:p>
+          <a:p>
+            <a:pPr marL="342900" indent="-342900" algn="l">
+              <a:buFont typeface="Arial" panose="020B0604020202020204" pitchFamily="34" charset="0"/>
+              <a:buChar char="•"/>
+            </a:pPr>
+            <a:endParaRPr lang="en-US" sz="1400">
+              <a:solidFill>
+                <a:srgbClr val="000000"/>
+              </a:solidFill>
+            </a:endParaRPr>
+          </a:p>
+          <a:p>
+            <a:pPr marL="0" indent="0" algn="l"/>
+            <a:endParaRPr lang="en-US" sz="1600">
+              <a:solidFill>
+                <a:srgbClr val="000000"/>
+              </a:solidFill>
+            </a:endParaRPr>
+          </a:p>
+        </p:txBody>
+      </p:sp>
+      <p:sp>
+        <p:nvSpPr>
+          <p:cNvPr id="2" name="Rectangle 1">
+            <a:extLst>
+              <a:ext uri="{FF2B5EF4-FFF2-40B4-BE49-F238E27FC236}">
+                <a16:creationId xmlns:a16="http://schemas.microsoft.com/office/drawing/2014/main" id="{6EF701E8-07B2-4B78-8D1C-99FCCAB5E3EF}"/>
+              </a:ext>
+            </a:extLst>
+          </p:cNvPr>
+          <p:cNvSpPr/>
+          <p:nvPr/>
+        </p:nvSpPr>
+        <p:spPr>
+          <a:xfrm>
+            <a:off x="474662" y="1868036"/>
+            <a:ext cx="3931996" cy="2369880"/>
+          </a:xfrm>
+          <a:prstGeom prst="rect">
+            <a:avLst/>
+          </a:prstGeom>
+        </p:spPr>
+        <p:txBody>
+          <a:bodyPr wrap="square">
+            <a:spAutoFit/>
+          </a:bodyPr>
+          <a:lstStyle/>
+          <a:p>
+            <a:pPr marL="342900" indent="-342900">
+              <a:buFont typeface="Arial" panose="020B0604020202020204" pitchFamily="34" charset="0"/>
+              <a:buChar char="•"/>
+            </a:pPr>
+            <a:r>
+              <a:rPr lang="en-US" sz="1600">
+                <a:solidFill>
+                  <a:srgbClr val="000000"/>
+                </a:solidFill>
+              </a:rPr>
+              <a:t>One outbound IPv4 ACL.</a:t>
+            </a:r>
+          </a:p>
+          <a:p>
+            <a:pPr marL="342900" indent="-342900">
+              <a:buFont typeface="Arial" panose="020B0604020202020204" pitchFamily="34" charset="0"/>
+              <a:buChar char="•"/>
+            </a:pPr>
+            <a:r>
+              <a:rPr lang="en-US" sz="1600">
+                <a:solidFill>
+                  <a:srgbClr val="000000"/>
+                </a:solidFill>
+              </a:rPr>
+              <a:t>One inbound IPv4 ACL.</a:t>
+            </a:r>
+          </a:p>
+          <a:p>
+            <a:pPr marL="342900" indent="-342900">
+              <a:buFont typeface="Arial" panose="020B0604020202020204" pitchFamily="34" charset="0"/>
+              <a:buChar char="•"/>
+            </a:pPr>
+            <a:r>
+              <a:rPr lang="en-US" sz="1600">
+                <a:solidFill>
+                  <a:srgbClr val="000000"/>
+                </a:solidFill>
+              </a:rPr>
+              <a:t>One inbound IPv6 ACL.</a:t>
+            </a:r>
+          </a:p>
+          <a:p>
+            <a:pPr marL="342900" indent="-342900">
+              <a:buFont typeface="Arial" panose="020B0604020202020204" pitchFamily="34" charset="0"/>
+              <a:buChar char="•"/>
+            </a:pPr>
+            <a:r>
+              <a:rPr lang="en-US" sz="1600">
+                <a:solidFill>
+                  <a:srgbClr val="000000"/>
+                </a:solidFill>
+              </a:rPr>
+              <a:t>One outbound IPv6 ACL.</a:t>
+            </a:r>
+          </a:p>
+          <a:p>
+            <a:pPr marL="342900" indent="-342900">
+              <a:buFont typeface="Arial" panose="020B0604020202020204" pitchFamily="34" charset="0"/>
+              <a:buChar char="•"/>
+            </a:pPr>
+            <a:endParaRPr lang="en-US" sz="1200" b="1">
+              <a:solidFill>
+                <a:srgbClr val="000000"/>
+              </a:solidFill>
+            </a:endParaRPr>
+          </a:p>
+          <a:p>
+            <a:pPr marL="342900" indent="-342900">
+              <a:buFont typeface="Arial" panose="020B0604020202020204" pitchFamily="34" charset="0"/>
+              <a:buChar char="•"/>
+            </a:pPr>
+            <a:endParaRPr lang="en-US" sz="1200" b="1">
+              <a:solidFill>
+                <a:srgbClr val="000000"/>
+              </a:solidFill>
+            </a:endParaRPr>
+          </a:p>
+          <a:p>
+            <a:pPr marL="342900" indent="-342900">
+              <a:buFont typeface="Arial" panose="020B0604020202020204" pitchFamily="34" charset="0"/>
+              <a:buChar char="•"/>
+            </a:pPr>
+            <a:endParaRPr lang="en-US" sz="1200" b="1">
+              <a:solidFill>
+                <a:srgbClr val="000000"/>
+              </a:solidFill>
+            </a:endParaRPr>
+          </a:p>
+          <a:p>
+            <a:r>
+              <a:rPr lang="en-US" sz="1200" b="1">
+                <a:solidFill>
+                  <a:srgbClr val="000000"/>
+                </a:solidFill>
+              </a:rPr>
+              <a:t>Note</a:t>
+            </a:r>
+            <a:r>
+              <a:rPr lang="en-US" sz="1200">
+                <a:solidFill>
+                  <a:srgbClr val="000000"/>
+                </a:solidFill>
+              </a:rPr>
+              <a:t>: ACLs do not have to be configured in both directions. The number of ACLs and their direction applied to the interface will depend on the security policy of the organization.</a:t>
+            </a:r>
+          </a:p>
+        </p:txBody>
+      </p:sp>
+      <p:pic>
+        <p:nvPicPr>
+          <p:cNvPr id="7" name="Picture 6">
+            <a:extLst>
+              <a:ext uri="{FF2B5EF4-FFF2-40B4-BE49-F238E27FC236}">
+                <a16:creationId xmlns:a16="http://schemas.microsoft.com/office/drawing/2014/main" id="{BD109AAC-C779-C54A-B871-5288A9E91D19}"/>
+              </a:ext>
+            </a:extLst>
+          </p:cNvPr>
+          <p:cNvPicPr>
+            <a:picLocks noChangeAspect="1"/>
+          </p:cNvPicPr>
+          <p:nvPr/>
+        </p:nvPicPr>
+        <p:blipFill>
+          <a:blip r:embed="rId4"/>
+          <a:stretch>
+            <a:fillRect/>
+          </a:stretch>
+        </p:blipFill>
+        <p:spPr>
+          <a:xfrm>
+            <a:off x="4572000" y="2054578"/>
+            <a:ext cx="3686009" cy="2766236"/>
+          </a:xfrm>
+          <a:prstGeom prst="rect">
+            <a:avLst/>
+          </a:prstGeom>
+        </p:spPr>
+      </p:pic>
+    </p:spTree>
+    <p:custDataLst>
+      <p:tags r:id="rId1"/>
+    </p:custDataLst>
+    <p:extLst>
+      <p:ext uri="{BB962C8B-B14F-4D97-AF65-F5344CB8AC3E}">
+        <p14:creationId xmlns:p14="http://schemas.microsoft.com/office/powerpoint/2010/main" val="4215459012"/>
+      </p:ext>
+    </p:extLst>
+  </p:cSld>
+  <p:clrMapOvr>
+    <a:masterClrMapping/>
+  </p:clrMapOvr>
+  <mc:AlternateContent xmlns:mc="http://schemas.openxmlformats.org/markup-compatibility/2006" xmlns:p14="http://schemas.microsoft.com/office/powerpoint/2010/main">
+    <mc:Choice Requires="p14">
+      <p:transition spd="med" p14:dur="700">
+        <p:fade/>
+      </p:transition>
+    </mc:Choice>
+    <mc:Fallback xmlns="">
+      <p:transition xmlns:p14="http://schemas.microsoft.com/office/powerpoint/2010/main" spd="med">
+        <p:fade/>
+      </p:transition>
+    </mc:Fallback>
+  </mc:AlternateContent>
+</p:sld>
+</file>
+
+<file path=ppt/slides/slide21.xml><?xml version="1.0" encoding="utf-8"?>
+<p:sld xmlns:a="http://schemas.openxmlformats.org/drawingml/2006/main" xmlns:r="http://schemas.openxmlformats.org/officeDocument/2006/relationships" xmlns:p="http://schemas.openxmlformats.org/presentationml/2006/main">
+  <p:cSld>
+    <p:spTree>
+      <p:nvGrpSpPr>
+        <p:cNvPr id="1" name=""/>
+        <p:cNvGrpSpPr/>
+        <p:nvPr/>
+      </p:nvGrpSpPr>
+      <p:grpSpPr>
+        <a:xfrm>
+          <a:off x="0" y="0"/>
+          <a:ext cx="0" cy="0"/>
+          <a:chOff x="0" y="0"/>
+          <a:chExt cx="0" cy="0"/>
+        </a:xfrm>
+      </p:grpSpPr>
+      <p:sp>
+        <p:nvSpPr>
+          <p:cNvPr id="3" name="Title 2">
+            <a:extLst>
+              <a:ext uri="{FF2B5EF4-FFF2-40B4-BE49-F238E27FC236}">
+                <a16:creationId xmlns:a16="http://schemas.microsoft.com/office/drawing/2014/main" id="{C02AA8F8-1E43-384B-8982-C0BB94049B5C}"/>
+              </a:ext>
+            </a:extLst>
+          </p:cNvPr>
+          <p:cNvSpPr>
+            <a:spLocks noGrp="1"/>
+          </p:cNvSpPr>
+          <p:nvPr>
+            <p:ph type="title"/>
+          </p:nvPr>
+        </p:nvSpPr>
+        <p:spPr>
+          <a:xfrm>
+            <a:off x="0" y="0"/>
+            <a:ext cx="8345488" cy="731837"/>
+          </a:xfrm>
+        </p:spPr>
+        <p:txBody>
+          <a:bodyPr/>
+          <a:lstStyle/>
+          <a:p>
+            <a:r>
+              <a:rPr lang="en-US" sz="1600"/>
+              <a:t>Guidelines for ACL Creation</a:t>
+            </a:r>
+            <a:br>
+              <a:rPr lang="en-US"/>
+            </a:br>
+            <a:r>
+              <a:rPr lang="en-US" sz="2400"/>
               <a:t>ACL Best Practices</a:t>
             </a:r>
           </a:p>
@@ -30894,7 +30681,7 @@
 </p:sld>
 </file>
 
-<file path=ppt/slides/slide21.xml><?xml version="1.0" encoding="utf-8"?>
+<file path=ppt/slides/slide22.xml><?xml version="1.0" encoding="utf-8"?>
 <p:sld xmlns:a="http://schemas.openxmlformats.org/drawingml/2006/main" xmlns:r="http://schemas.openxmlformats.org/officeDocument/2006/relationships" xmlns:p="http://schemas.openxmlformats.org/presentationml/2006/main">
   <p:cSld>
     <p:spTree>
@@ -30961,184 +30748,6 @@
   <p:transition spd="slow">
     <p:wipe/>
   </p:transition>
-</p:sld>
-</file>
-
-<file path=ppt/slides/slide22.xml><?xml version="1.0" encoding="utf-8"?>
-<p:sld xmlns:a="http://schemas.openxmlformats.org/drawingml/2006/main" xmlns:r="http://schemas.openxmlformats.org/officeDocument/2006/relationships" xmlns:p="http://schemas.openxmlformats.org/presentationml/2006/main">
-  <p:cSld>
-    <p:spTree>
-      <p:nvGrpSpPr>
-        <p:cNvPr id="1" name=""/>
-        <p:cNvGrpSpPr/>
-        <p:nvPr/>
-      </p:nvGrpSpPr>
-      <p:grpSpPr>
-        <a:xfrm>
-          <a:off x="0" y="0"/>
-          <a:ext cx="0" cy="0"/>
-          <a:chOff x="0" y="0"/>
-          <a:chExt cx="0" cy="0"/>
-        </a:xfrm>
-      </p:grpSpPr>
-      <p:sp>
-        <p:nvSpPr>
-          <p:cNvPr id="3" name="Title 2">
-            <a:extLst>
-              <a:ext uri="{FF2B5EF4-FFF2-40B4-BE49-F238E27FC236}">
-                <a16:creationId xmlns:a16="http://schemas.microsoft.com/office/drawing/2014/main" id="{C02AA8F8-1E43-384B-8982-C0BB94049B5C}"/>
-              </a:ext>
-            </a:extLst>
-          </p:cNvPr>
-          <p:cNvSpPr>
-            <a:spLocks noGrp="1"/>
-          </p:cNvSpPr>
-          <p:nvPr>
-            <p:ph type="title"/>
-          </p:nvPr>
-        </p:nvSpPr>
-        <p:spPr>
-          <a:xfrm>
-            <a:off x="0" y="0"/>
-            <a:ext cx="8345488" cy="731837"/>
-          </a:xfrm>
-        </p:spPr>
-        <p:txBody>
-          <a:bodyPr/>
-          <a:lstStyle/>
-          <a:p>
-            <a:r>
-              <a:rPr lang="en-US" sz="1600"/>
-              <a:t>Types of IPv4 ACLs</a:t>
-            </a:r>
-            <a:br>
-              <a:rPr lang="en-US"/>
-            </a:br>
-            <a:r>
-              <a:rPr lang="en-US" sz="2400"/>
-              <a:t>Standard and Extended ACLs</a:t>
-            </a:r>
-          </a:p>
-        </p:txBody>
-      </p:sp>
-      <p:sp>
-        <p:nvSpPr>
-          <p:cNvPr id="5" name="Content Placeholder 4">
-            <a:extLst>
-              <a:ext uri="{FF2B5EF4-FFF2-40B4-BE49-F238E27FC236}">
-                <a16:creationId xmlns:a16="http://schemas.microsoft.com/office/drawing/2014/main" id="{CD273069-A3F5-5945-9FDD-642B0446D781}"/>
-              </a:ext>
-            </a:extLst>
-          </p:cNvPr>
-          <p:cNvSpPr>
-            <a:spLocks noGrp="1"/>
-          </p:cNvSpPr>
-          <p:nvPr>
-            <p:ph idx="1"/>
-          </p:nvPr>
-        </p:nvSpPr>
-        <p:spPr>
-          <a:xfrm>
-            <a:off x="474662" y="731837"/>
-            <a:ext cx="8280057" cy="3689897"/>
-          </a:xfrm>
-        </p:spPr>
-        <p:txBody>
-          <a:bodyPr/>
-          <a:lstStyle/>
-          <a:p>
-            <a:pPr marL="0" indent="0" algn="l"/>
-            <a:r>
-              <a:rPr lang="en-US" sz="1600">
-                <a:solidFill>
-                  <a:srgbClr val="000000"/>
-                </a:solidFill>
-              </a:rPr>
-              <a:t>There are two types of IPv4 ACLs:</a:t>
-            </a:r>
-          </a:p>
-          <a:p>
-            <a:pPr marL="342900" indent="-342900" algn="l">
-              <a:buFont typeface="Arial" panose="020B0604020202020204" pitchFamily="34" charset="0"/>
-              <a:buChar char="•"/>
-            </a:pPr>
-            <a:r>
-              <a:rPr lang="en-US" sz="1600" b="1">
-                <a:solidFill>
-                  <a:srgbClr val="000000"/>
-                </a:solidFill>
-              </a:rPr>
-              <a:t>Standard ACLs</a:t>
-            </a:r>
-            <a:r>
-              <a:rPr lang="en-US" sz="1600">
-                <a:solidFill>
-                  <a:srgbClr val="000000"/>
-                </a:solidFill>
-              </a:rPr>
-              <a:t> - These permit or deny packets based only on the source IPv4 address.</a:t>
-            </a:r>
-          </a:p>
-          <a:p>
-            <a:pPr marL="342900" indent="-342900" algn="l">
-              <a:buFont typeface="Arial" panose="020B0604020202020204" pitchFamily="34" charset="0"/>
-              <a:buChar char="•"/>
-            </a:pPr>
-            <a:r>
-              <a:rPr lang="en-US" sz="1600" b="1">
-                <a:solidFill>
-                  <a:srgbClr val="000000"/>
-                </a:solidFill>
-              </a:rPr>
-              <a:t>Extended ACLs</a:t>
-            </a:r>
-            <a:r>
-              <a:rPr lang="en-US" sz="1600">
-                <a:solidFill>
-                  <a:srgbClr val="000000"/>
-                </a:solidFill>
-              </a:rPr>
-              <a:t> - These permit or deny packets based on the source IPv4 address and destination IPv4 address, protocol type, source and destination TCP or UDP ports and more.</a:t>
-            </a:r>
-          </a:p>
-          <a:p>
-            <a:pPr marL="342900" indent="-342900" algn="l">
-              <a:buFont typeface="Arial" panose="020B0604020202020204" pitchFamily="34" charset="0"/>
-              <a:buChar char="•"/>
-            </a:pPr>
-            <a:endParaRPr lang="en-US" sz="1600">
-              <a:solidFill>
-                <a:srgbClr val="000000"/>
-              </a:solidFill>
-            </a:endParaRPr>
-          </a:p>
-        </p:txBody>
-      </p:sp>
-    </p:spTree>
-    <p:custDataLst>
-      <p:tags r:id="rId1"/>
-    </p:custDataLst>
-    <p:extLst>
-      <p:ext uri="{BB962C8B-B14F-4D97-AF65-F5344CB8AC3E}">
-        <p14:creationId xmlns:p14="http://schemas.microsoft.com/office/powerpoint/2010/main" val="1069385919"/>
-      </p:ext>
-    </p:extLst>
-  </p:cSld>
-  <p:clrMapOvr>
-    <a:masterClrMapping/>
-  </p:clrMapOvr>
-  <mc:AlternateContent xmlns:mc="http://schemas.openxmlformats.org/markup-compatibility/2006" xmlns:p14="http://schemas.microsoft.com/office/powerpoint/2010/main">
-    <mc:Choice Requires="p14">
-      <p:transition spd="med" p14:dur="700">
-        <p:fade/>
-      </p:transition>
-    </mc:Choice>
-    <mc:Fallback xmlns="">
-      <p:transition xmlns:p14="http://schemas.microsoft.com/office/powerpoint/2010/main" spd="med">
-        <p:fade/>
-      </p:transition>
-    </mc:Fallback>
-  </mc:AlternateContent>
 </p:sld>
 </file>
 
@@ -31194,17 +30803,17 @@
             </a:br>
             <a:r>
               <a:rPr lang="en-US" sz="2400"/>
-              <a:t>Numbered and Named ACLs</a:t>
+              <a:t>Standard and Extended ACLs</a:t>
             </a:r>
           </a:p>
         </p:txBody>
       </p:sp>
       <p:sp>
         <p:nvSpPr>
-          <p:cNvPr id="4" name="Content Placeholder 3">
+          <p:cNvPr id="5" name="Content Placeholder 4">
             <a:extLst>
               <a:ext uri="{FF2B5EF4-FFF2-40B4-BE49-F238E27FC236}">
-                <a16:creationId xmlns:a16="http://schemas.microsoft.com/office/drawing/2014/main" id="{32899492-07A1-FD4F-BB82-595FF422B2B7}"/>
+                <a16:creationId xmlns:a16="http://schemas.microsoft.com/office/drawing/2014/main" id="{CD273069-A3F5-5945-9FDD-642B0446D781}"/>
               </a:ext>
             </a:extLst>
           </p:cNvPr>
@@ -31217,8 +30826,8 @@
         </p:nvSpPr>
         <p:spPr>
           <a:xfrm>
-            <a:off x="431971" y="731838"/>
-            <a:ext cx="8280057" cy="1053420"/>
+            <a:off x="474662" y="731837"/>
+            <a:ext cx="8280057" cy="3689897"/>
           </a:xfrm>
         </p:spPr>
         <p:txBody>
@@ -31227,45 +30836,56 @@
           <a:p>
             <a:pPr marL="0" indent="0" algn="l"/>
             <a:r>
-              <a:rPr lang="en-US" sz="1600" b="1">
+              <a:rPr lang="en-US" sz="1600">
                 <a:solidFill>
                   <a:srgbClr val="000000"/>
                 </a:solidFill>
               </a:rPr>
-              <a:t>Numbered ACLs</a:t>
-            </a:r>
-            <a:endParaRPr lang="en-US" sz="1600">
-              <a:solidFill>
-                <a:srgbClr val="000000"/>
-              </a:solidFill>
-            </a:endParaRPr>
-          </a:p>
-          <a:p>
-            <a:pPr marL="285750" indent="-285750" algn="l">
+              <a:t>There are two types of IPv4 ACLs:</a:t>
+            </a:r>
+          </a:p>
+          <a:p>
+            <a:pPr marL="342900" indent="-342900" algn="l">
               <a:buFont typeface="Arial" panose="020B0604020202020204" pitchFamily="34" charset="0"/>
               <a:buChar char="•"/>
             </a:pPr>
             <a:r>
+              <a:rPr lang="en-US" sz="1600" b="1">
+                <a:solidFill>
+                  <a:srgbClr val="000000"/>
+                </a:solidFill>
+              </a:rPr>
+              <a:t>Standard ACLs</a:t>
+            </a:r>
+            <a:r>
               <a:rPr lang="en-US" sz="1600">
                 <a:solidFill>
                   <a:srgbClr val="000000"/>
                 </a:solidFill>
               </a:rPr>
-              <a:t>standard ACLs numbered 1-99, or 1300-1999</a:t>
-            </a:r>
-          </a:p>
-          <a:p>
-            <a:pPr marL="285750" indent="-285750" algn="l">
+              <a:t> - These permit or deny packets based only on the source IPv4 address.</a:t>
+            </a:r>
+          </a:p>
+          <a:p>
+            <a:pPr marL="342900" indent="-342900" algn="l">
               <a:buFont typeface="Arial" panose="020B0604020202020204" pitchFamily="34" charset="0"/>
               <a:buChar char="•"/>
             </a:pPr>
             <a:r>
+              <a:rPr lang="en-US" sz="1600" b="1">
+                <a:solidFill>
+                  <a:srgbClr val="000000"/>
+                </a:solidFill>
+              </a:rPr>
+              <a:t>Extended ACLs</a:t>
+            </a:r>
+            <a:r>
               <a:rPr lang="en-US" sz="1600">
                 <a:solidFill>
                   <a:srgbClr val="000000"/>
                 </a:solidFill>
               </a:rPr>
-              <a:t>extended ACLs numbered 100-199, or 2000-2699.</a:t>
+              <a:t> - These permit or deny packets based on the source IPv4 address and destination IPv4 address, protocol type, source and destination TCP or UDP ports and more.</a:t>
             </a:r>
           </a:p>
           <a:p>
@@ -31281,202 +30901,13 @@
           </a:p>
         </p:txBody>
       </p:sp>
-      <p:sp>
-        <p:nvSpPr>
-          <p:cNvPr id="6" name="Rectangle 5">
-            <a:extLst>
-              <a:ext uri="{FF2B5EF4-FFF2-40B4-BE49-F238E27FC236}">
-                <a16:creationId xmlns:a16="http://schemas.microsoft.com/office/drawing/2014/main" id="{171F2959-C9E6-6F45-9258-2B3BD9A8EF5D}"/>
-              </a:ext>
-            </a:extLst>
-          </p:cNvPr>
-          <p:cNvSpPr/>
-          <p:nvPr/>
-        </p:nvSpPr>
-        <p:spPr>
-          <a:xfrm>
-            <a:off x="720400" y="2061130"/>
-            <a:ext cx="7329488" cy="2123658"/>
-          </a:xfrm>
-          <a:prstGeom prst="rect">
-            <a:avLst/>
-          </a:prstGeom>
-          <a:solidFill>
-            <a:srgbClr val="000000"/>
-          </a:solidFill>
-        </p:spPr>
-        <p:txBody>
-          <a:bodyPr wrap="square">
-            <a:spAutoFit/>
-          </a:bodyPr>
-          <a:lstStyle/>
-          <a:p>
-            <a:r>
-              <a:rPr lang="en-US" sz="1200">
-                <a:solidFill>
-                  <a:srgbClr val="DFDFDF"/>
-                </a:solidFill>
-                <a:latin typeface="Courier New" panose="02070309020205020404" pitchFamily="49" charset="0"/>
-              </a:rPr>
-              <a:t>R1(config)# </a:t>
-            </a:r>
-            <a:r>
-              <a:rPr lang="en-US" sz="1200" b="1">
-                <a:solidFill>
-                  <a:srgbClr val="FFFFFF"/>
-                </a:solidFill>
-                <a:latin typeface="Courier New" panose="02070309020205020404" pitchFamily="49" charset="0"/>
-              </a:rPr>
-              <a:t>access-list ?</a:t>
-            </a:r>
-          </a:p>
-          <a:p>
-            <a:r>
-              <a:rPr lang="en-US" sz="1200">
-                <a:solidFill>
-                  <a:srgbClr val="DFDFDF"/>
-                </a:solidFill>
-                <a:latin typeface="Courier New" panose="02070309020205020404" pitchFamily="49" charset="0"/>
-              </a:rPr>
-              <a:t> &lt;1-99&gt; IP standard access list </a:t>
-            </a:r>
-          </a:p>
-          <a:p>
-            <a:r>
-              <a:rPr lang="en-US" sz="1200">
-                <a:solidFill>
-                  <a:srgbClr val="DFDFDF"/>
-                </a:solidFill>
-                <a:latin typeface="Courier New" panose="02070309020205020404" pitchFamily="49" charset="0"/>
-              </a:rPr>
-              <a:t> &lt;100-199&gt; IP extended access list </a:t>
-            </a:r>
-          </a:p>
-          <a:p>
-            <a:r>
-              <a:rPr lang="en-US" sz="1200">
-                <a:solidFill>
-                  <a:srgbClr val="DFDFDF"/>
-                </a:solidFill>
-                <a:latin typeface="Courier New" panose="02070309020205020404" pitchFamily="49" charset="0"/>
-              </a:rPr>
-              <a:t> &lt;1100-1199&gt; Extended 48-bit MAC address access list </a:t>
-            </a:r>
-          </a:p>
-          <a:p>
-            <a:r>
-              <a:rPr lang="en-US" sz="1200">
-                <a:solidFill>
-                  <a:srgbClr val="DFDFDF"/>
-                </a:solidFill>
-                <a:latin typeface="Courier New" panose="02070309020205020404" pitchFamily="49" charset="0"/>
-              </a:rPr>
-              <a:t> &lt;1300-1999&gt; IP standard access list (expanded range) </a:t>
-            </a:r>
-          </a:p>
-          <a:p>
-            <a:r>
-              <a:rPr lang="en-US" sz="1200">
-                <a:solidFill>
-                  <a:srgbClr val="DFDFDF"/>
-                </a:solidFill>
-                <a:latin typeface="Courier New" panose="02070309020205020404" pitchFamily="49" charset="0"/>
-              </a:rPr>
-              <a:t> &lt;200-299&gt; Protocol type-code access list </a:t>
-            </a:r>
-          </a:p>
-          <a:p>
-            <a:r>
-              <a:rPr lang="en-US" sz="1200">
-                <a:solidFill>
-                  <a:srgbClr val="DFDFDF"/>
-                </a:solidFill>
-                <a:latin typeface="Courier New" panose="02070309020205020404" pitchFamily="49" charset="0"/>
-              </a:rPr>
-              <a:t> &lt;2000-2699&gt; IP extended access list (expanded range) </a:t>
-            </a:r>
-          </a:p>
-          <a:p>
-            <a:r>
-              <a:rPr lang="en-US" sz="1200">
-                <a:solidFill>
-                  <a:srgbClr val="DFDFDF"/>
-                </a:solidFill>
-                <a:latin typeface="Courier New" panose="02070309020205020404" pitchFamily="49" charset="0"/>
-              </a:rPr>
-              <a:t> &lt;700-799&gt; 48-bit MAC address access list </a:t>
-            </a:r>
-          </a:p>
-          <a:p>
-            <a:r>
-              <a:rPr lang="en-US" sz="1200">
-                <a:solidFill>
-                  <a:srgbClr val="DFDFDF"/>
-                </a:solidFill>
-                <a:latin typeface="Courier New" panose="02070309020205020404" pitchFamily="49" charset="0"/>
-              </a:rPr>
-              <a:t> rate-limit Simple rate-limit specific access list </a:t>
-            </a:r>
-          </a:p>
-          <a:p>
-            <a:r>
-              <a:rPr lang="en-US" sz="1200">
-                <a:solidFill>
-                  <a:srgbClr val="DFDFDF"/>
-                </a:solidFill>
-                <a:latin typeface="Courier New" panose="02070309020205020404" pitchFamily="49" charset="0"/>
-              </a:rPr>
-              <a:t> template Enable IP template </a:t>
-            </a:r>
-            <a:r>
-              <a:rPr lang="en-US" sz="1200" err="1">
-                <a:solidFill>
-                  <a:srgbClr val="DFDFDF"/>
-                </a:solidFill>
-                <a:latin typeface="Courier New" panose="02070309020205020404" pitchFamily="49" charset="0"/>
-              </a:rPr>
-              <a:t>acls</a:t>
-            </a:r>
-            <a:r>
-              <a:rPr lang="en-US" sz="1200">
-                <a:solidFill>
-                  <a:srgbClr val="DFDFDF"/>
-                </a:solidFill>
-                <a:latin typeface="Courier New" panose="02070309020205020404" pitchFamily="49" charset="0"/>
-              </a:rPr>
-              <a:t> </a:t>
-            </a:r>
-          </a:p>
-          <a:p>
-            <a:r>
-              <a:rPr lang="en-US" sz="1200">
-                <a:solidFill>
-                  <a:srgbClr val="DFDFDF"/>
-                </a:solidFill>
-                <a:latin typeface="Courier New" panose="02070309020205020404" pitchFamily="49" charset="0"/>
-              </a:rPr>
-              <a:t>Router(config)# </a:t>
-            </a:r>
-            <a:r>
-              <a:rPr lang="en-US" sz="1200" b="1">
-                <a:solidFill>
-                  <a:srgbClr val="FFFFFF"/>
-                </a:solidFill>
-                <a:latin typeface="Courier New" panose="02070309020205020404" pitchFamily="49" charset="0"/>
-              </a:rPr>
-              <a:t>access-list  </a:t>
-            </a:r>
-            <a:endParaRPr lang="en-US" sz="1200"/>
-          </a:p>
-        </p:txBody>
-      </p:sp>
     </p:spTree>
     <p:custDataLst>
       <p:tags r:id="rId1"/>
     </p:custDataLst>
     <p:extLst>
       <p:ext uri="{BB962C8B-B14F-4D97-AF65-F5344CB8AC3E}">
-        <p14:creationId xmlns:p14="http://schemas.microsoft.com/office/powerpoint/2010/main" val="1205276961"/>
+        <p14:creationId xmlns:p14="http://schemas.microsoft.com/office/powerpoint/2010/main" val="1069385919"/>
       </p:ext>
     </p:extLst>
   </p:cSld>
@@ -31550,7 +30981,7 @@
             </a:br>
             <a:r>
               <a:rPr lang="en-US" sz="2400"/>
-              <a:t>Numbered and Named ACLs (Cont.)</a:t>
+              <a:t>Numbered and Named ACLs</a:t>
             </a:r>
           </a:p>
         </p:txBody>
@@ -31574,7 +31005,7 @@
         <p:spPr>
           <a:xfrm>
             <a:off x="431971" y="731838"/>
-            <a:ext cx="8280057" cy="1938792"/>
+            <a:ext cx="8280057" cy="1053420"/>
           </a:xfrm>
         </p:spPr>
         <p:txBody>
@@ -31588,7 +31019,7 @@
                   <a:srgbClr val="000000"/>
                 </a:solidFill>
               </a:rPr>
-              <a:t>Named ACLs</a:t>
+              <a:t>Numbered ACLs</a:t>
             </a:r>
             <a:endParaRPr lang="en-US" sz="1600">
               <a:solidFill>
@@ -31597,7 +31028,7 @@
             </a:endParaRPr>
           </a:p>
           <a:p>
-            <a:pPr marL="342900" indent="-342900" algn="l">
+            <a:pPr marL="285750" indent="-285750" algn="l">
               <a:buFont typeface="Arial" panose="020B0604020202020204" pitchFamily="34" charset="0"/>
               <a:buChar char="•"/>
             </a:pPr>
@@ -31607,11 +31038,11 @@
                   <a:srgbClr val="000000"/>
                 </a:solidFill>
               </a:rPr>
-              <a:t>Named ACLs are the preferred method to use when configuring ACLs. Specifically, standard and extended ACLs can be named to provide information about the purpose of the ACL. For example, naming an extended ACL FTP-FILTER is far better than having a numbered ACL 100.</a:t>
-            </a:r>
-          </a:p>
-          <a:p>
-            <a:pPr marL="342900" indent="-342900" algn="l">
+              <a:t>standard ACLs numbered 1-99, or 1300-1999</a:t>
+            </a:r>
+          </a:p>
+          <a:p>
+            <a:pPr marL="285750" indent="-285750" algn="l">
               <a:buFont typeface="Arial" panose="020B0604020202020204" pitchFamily="34" charset="0"/>
               <a:buChar char="•"/>
             </a:pPr>
@@ -31621,39 +31052,7 @@
                   <a:srgbClr val="000000"/>
                 </a:solidFill>
               </a:rPr>
-              <a:t>The </a:t>
-            </a:r>
-            <a:r>
-              <a:rPr lang="en-US" sz="1600" b="1" err="1">
-                <a:solidFill>
-                  <a:srgbClr val="000000"/>
-                </a:solidFill>
-              </a:rPr>
-              <a:t>ip</a:t>
-            </a:r>
-            <a:r>
-              <a:rPr lang="en-US" sz="1600">
-                <a:solidFill>
-                  <a:srgbClr val="000000"/>
-                </a:solidFill>
-              </a:rPr>
-              <a:t> </a:t>
-            </a:r>
-            <a:r>
-              <a:rPr lang="en-US" sz="1600" b="1">
-                <a:solidFill>
-                  <a:srgbClr val="000000"/>
-                </a:solidFill>
-              </a:rPr>
-              <a:t>access-list</a:t>
-            </a:r>
-            <a:r>
-              <a:rPr lang="en-US" sz="1600">
-                <a:solidFill>
-                  <a:srgbClr val="000000"/>
-                </a:solidFill>
-              </a:rPr>
-              <a:t> global configuration command is used to create a named ACL, as shown in the following example.</a:t>
+              <a:t>extended ACLs numbered 100-199, or 2000-2699.</a:t>
             </a:r>
           </a:p>
           <a:p>
@@ -31683,8 +31082,8 @@
         </p:nvSpPr>
         <p:spPr>
           <a:xfrm>
-            <a:off x="593015" y="2796182"/>
-            <a:ext cx="7752473" cy="954107"/>
+            <a:off x="720400" y="2061130"/>
+            <a:ext cx="7329488" cy="2123658"/>
           </a:xfrm>
           <a:prstGeom prst="rect">
             <a:avLst/>
@@ -31700,249 +31099,161 @@
           <a:lstStyle/>
           <a:p>
             <a:r>
-              <a:rPr lang="en-US" sz="1400">
-                <a:solidFill>
-                  <a:schemeClr val="bg1"/>
+              <a:rPr lang="en-US" sz="1200">
+                <a:solidFill>
+                  <a:srgbClr val="DFDFDF"/>
                 </a:solidFill>
                 <a:latin typeface="Courier New" panose="02070309020205020404" pitchFamily="49" charset="0"/>
-                <a:cs typeface="Courier New" panose="02070309020205020404" pitchFamily="49" charset="0"/>
               </a:rPr>
               <a:t>R1(config)# </a:t>
             </a:r>
             <a:r>
-              <a:rPr lang="en-US" sz="1400" b="1" err="1">
-                <a:solidFill>
-                  <a:schemeClr val="bg1"/>
+              <a:rPr lang="en-US" sz="1200" b="1">
+                <a:solidFill>
+                  <a:srgbClr val="FFFFFF"/>
                 </a:solidFill>
                 <a:latin typeface="Courier New" panose="02070309020205020404" pitchFamily="49" charset="0"/>
-                <a:cs typeface="Courier New" panose="02070309020205020404" pitchFamily="49" charset="0"/>
               </a:rPr>
-              <a:t>ip</a:t>
-            </a:r>
-            <a:r>
-              <a:rPr lang="en-US" sz="1400" b="1">
-                <a:solidFill>
-                  <a:schemeClr val="bg1"/>
+              <a:t>access-list ?</a:t>
+            </a:r>
+          </a:p>
+          <a:p>
+            <a:r>
+              <a:rPr lang="en-US" sz="1200">
+                <a:solidFill>
+                  <a:srgbClr val="DFDFDF"/>
                 </a:solidFill>
                 <a:latin typeface="Courier New" panose="02070309020205020404" pitchFamily="49" charset="0"/>
-                <a:cs typeface="Courier New" panose="02070309020205020404" pitchFamily="49" charset="0"/>
               </a:rPr>
-              <a:t> access-list extended FTP-FILTER </a:t>
-            </a:r>
-          </a:p>
-          <a:p>
-            <a:r>
-              <a:rPr lang="en-US" sz="1400">
-                <a:solidFill>
-                  <a:schemeClr val="bg1"/>
+              <a:t> &lt;1-99&gt; IP standard access list </a:t>
+            </a:r>
+          </a:p>
+          <a:p>
+            <a:r>
+              <a:rPr lang="en-US" sz="1200">
+                <a:solidFill>
+                  <a:srgbClr val="DFDFDF"/>
                 </a:solidFill>
                 <a:latin typeface="Courier New" panose="02070309020205020404" pitchFamily="49" charset="0"/>
-                <a:cs typeface="Courier New" panose="02070309020205020404" pitchFamily="49" charset="0"/>
               </a:rPr>
-              <a:t>R1(config-</a:t>
-            </a:r>
-            <a:r>
-              <a:rPr lang="en-US" sz="1400" err="1">
-                <a:solidFill>
-                  <a:schemeClr val="bg1"/>
+              <a:t> &lt;100-199&gt; IP extended access list </a:t>
+            </a:r>
+          </a:p>
+          <a:p>
+            <a:r>
+              <a:rPr lang="en-US" sz="1200">
+                <a:solidFill>
+                  <a:srgbClr val="DFDFDF"/>
                 </a:solidFill>
                 <a:latin typeface="Courier New" panose="02070309020205020404" pitchFamily="49" charset="0"/>
-                <a:cs typeface="Courier New" panose="02070309020205020404" pitchFamily="49" charset="0"/>
               </a:rPr>
-              <a:t>ext</a:t>
-            </a:r>
-            <a:r>
-              <a:rPr lang="en-US" sz="1400">
-                <a:solidFill>
-                  <a:schemeClr val="bg1"/>
+              <a:t> &lt;1100-1199&gt; Extended 48-bit MAC address access list </a:t>
+            </a:r>
+          </a:p>
+          <a:p>
+            <a:r>
+              <a:rPr lang="en-US" sz="1200">
+                <a:solidFill>
+                  <a:srgbClr val="DFDFDF"/>
                 </a:solidFill>
                 <a:latin typeface="Courier New" panose="02070309020205020404" pitchFamily="49" charset="0"/>
-                <a:cs typeface="Courier New" panose="02070309020205020404" pitchFamily="49" charset="0"/>
               </a:rPr>
-              <a:t>-</a:t>
-            </a:r>
-            <a:r>
-              <a:rPr lang="en-US" sz="1400" err="1">
-                <a:solidFill>
-                  <a:schemeClr val="bg1"/>
+              <a:t> &lt;1300-1999&gt; IP standard access list (expanded range) </a:t>
+            </a:r>
+          </a:p>
+          <a:p>
+            <a:r>
+              <a:rPr lang="en-US" sz="1200">
+                <a:solidFill>
+                  <a:srgbClr val="DFDFDF"/>
                 </a:solidFill>
                 <a:latin typeface="Courier New" panose="02070309020205020404" pitchFamily="49" charset="0"/>
-                <a:cs typeface="Courier New" panose="02070309020205020404" pitchFamily="49" charset="0"/>
               </a:rPr>
-              <a:t>nacl</a:t>
-            </a:r>
-            <a:r>
-              <a:rPr lang="en-US" sz="1400">
-                <a:solidFill>
-                  <a:schemeClr val="bg1"/>
+              <a:t> &lt;200-299&gt; Protocol type-code access list </a:t>
+            </a:r>
+          </a:p>
+          <a:p>
+            <a:r>
+              <a:rPr lang="en-US" sz="1200">
+                <a:solidFill>
+                  <a:srgbClr val="DFDFDF"/>
                 </a:solidFill>
                 <a:latin typeface="Courier New" panose="02070309020205020404" pitchFamily="49" charset="0"/>
-                <a:cs typeface="Courier New" panose="02070309020205020404" pitchFamily="49" charset="0"/>
               </a:rPr>
-              <a:t>)# </a:t>
-            </a:r>
-            <a:r>
-              <a:rPr lang="en-US" sz="1400" b="1">
-                <a:solidFill>
-                  <a:schemeClr val="bg1"/>
+              <a:t> &lt;2000-2699&gt; IP extended access list (expanded range) </a:t>
+            </a:r>
+          </a:p>
+          <a:p>
+            <a:r>
+              <a:rPr lang="en-US" sz="1200">
+                <a:solidFill>
+                  <a:srgbClr val="DFDFDF"/>
                 </a:solidFill>
                 <a:latin typeface="Courier New" panose="02070309020205020404" pitchFamily="49" charset="0"/>
-                <a:cs typeface="Courier New" panose="02070309020205020404" pitchFamily="49" charset="0"/>
               </a:rPr>
-              <a:t>permit </a:t>
-            </a:r>
-            <a:r>
-              <a:rPr lang="en-US" sz="1400" b="1" err="1">
-                <a:solidFill>
-                  <a:schemeClr val="bg1"/>
+              <a:t> &lt;700-799&gt; 48-bit MAC address access list </a:t>
+            </a:r>
+          </a:p>
+          <a:p>
+            <a:r>
+              <a:rPr lang="en-US" sz="1200">
+                <a:solidFill>
+                  <a:srgbClr val="DFDFDF"/>
                 </a:solidFill>
                 <a:latin typeface="Courier New" panose="02070309020205020404" pitchFamily="49" charset="0"/>
-                <a:cs typeface="Courier New" panose="02070309020205020404" pitchFamily="49" charset="0"/>
               </a:rPr>
-              <a:t>tcp</a:t>
-            </a:r>
-            <a:r>
-              <a:rPr lang="en-US" sz="1400" b="1">
-                <a:solidFill>
-                  <a:schemeClr val="bg1"/>
+              <a:t> rate-limit Simple rate-limit specific access list </a:t>
+            </a:r>
+          </a:p>
+          <a:p>
+            <a:r>
+              <a:rPr lang="en-US" sz="1200">
+                <a:solidFill>
+                  <a:srgbClr val="DFDFDF"/>
                 </a:solidFill>
                 <a:latin typeface="Courier New" panose="02070309020205020404" pitchFamily="49" charset="0"/>
-                <a:cs typeface="Courier New" panose="02070309020205020404" pitchFamily="49" charset="0"/>
               </a:rPr>
-              <a:t> 192.168.10.0 0.0.0.255 any eq ftp </a:t>
-            </a:r>
-          </a:p>
-          <a:p>
-            <a:r>
-              <a:rPr lang="en-US" sz="1400">
-                <a:solidFill>
-                  <a:schemeClr val="bg1"/>
+              <a:t> template Enable IP template </a:t>
+            </a:r>
+            <a:r>
+              <a:rPr lang="en-US" sz="1200" err="1">
+                <a:solidFill>
+                  <a:srgbClr val="DFDFDF"/>
                 </a:solidFill>
                 <a:latin typeface="Courier New" panose="02070309020205020404" pitchFamily="49" charset="0"/>
-                <a:cs typeface="Courier New" panose="02070309020205020404" pitchFamily="49" charset="0"/>
               </a:rPr>
-              <a:t>R1(config-</a:t>
-            </a:r>
-            <a:r>
-              <a:rPr lang="en-US" sz="1400" err="1">
-                <a:solidFill>
-                  <a:schemeClr val="bg1"/>
+              <a:t>acls</a:t>
+            </a:r>
+            <a:r>
+              <a:rPr lang="en-US" sz="1200">
+                <a:solidFill>
+                  <a:srgbClr val="DFDFDF"/>
                 </a:solidFill>
                 <a:latin typeface="Courier New" panose="02070309020205020404" pitchFamily="49" charset="0"/>
-                <a:cs typeface="Courier New" panose="02070309020205020404" pitchFamily="49" charset="0"/>
               </a:rPr>
-              <a:t>ext</a:t>
-            </a:r>
-            <a:r>
-              <a:rPr lang="en-US" sz="1400">
-                <a:solidFill>
-                  <a:schemeClr val="bg1"/>
+              <a:t> </a:t>
+            </a:r>
+          </a:p>
+          <a:p>
+            <a:r>
+              <a:rPr lang="en-US" sz="1200">
+                <a:solidFill>
+                  <a:srgbClr val="DFDFDF"/>
                 </a:solidFill>
                 <a:latin typeface="Courier New" panose="02070309020205020404" pitchFamily="49" charset="0"/>
-                <a:cs typeface="Courier New" panose="02070309020205020404" pitchFamily="49" charset="0"/>
               </a:rPr>
-              <a:t>-</a:t>
-            </a:r>
-            <a:r>
-              <a:rPr lang="en-US" sz="1400" err="1">
-                <a:solidFill>
-                  <a:schemeClr val="bg1"/>
+              <a:t>Router(config)# </a:t>
+            </a:r>
+            <a:r>
+              <a:rPr lang="en-US" sz="1200" b="1">
+                <a:solidFill>
+                  <a:srgbClr val="FFFFFF"/>
                 </a:solidFill>
                 <a:latin typeface="Courier New" panose="02070309020205020404" pitchFamily="49" charset="0"/>
-                <a:cs typeface="Courier New" panose="02070309020205020404" pitchFamily="49" charset="0"/>
               </a:rPr>
-              <a:t>nacl</a:t>
-            </a:r>
-            <a:r>
-              <a:rPr lang="en-US" sz="1400">
-                <a:solidFill>
-                  <a:schemeClr val="bg1"/>
-                </a:solidFill>
-                <a:latin typeface="Courier New" panose="02070309020205020404" pitchFamily="49" charset="0"/>
-                <a:cs typeface="Courier New" panose="02070309020205020404" pitchFamily="49" charset="0"/>
-              </a:rPr>
-              <a:t>)# </a:t>
-            </a:r>
-            <a:r>
-              <a:rPr lang="en-US" sz="1400" b="1">
-                <a:solidFill>
-                  <a:schemeClr val="bg1"/>
-                </a:solidFill>
-                <a:latin typeface="Courier New" panose="02070309020205020404" pitchFamily="49" charset="0"/>
-                <a:cs typeface="Courier New" panose="02070309020205020404" pitchFamily="49" charset="0"/>
-              </a:rPr>
-              <a:t>permit </a:t>
-            </a:r>
-            <a:r>
-              <a:rPr lang="en-US" sz="1400" b="1" err="1">
-                <a:solidFill>
-                  <a:schemeClr val="bg1"/>
-                </a:solidFill>
-                <a:latin typeface="Courier New" panose="02070309020205020404" pitchFamily="49" charset="0"/>
-                <a:cs typeface="Courier New" panose="02070309020205020404" pitchFamily="49" charset="0"/>
-              </a:rPr>
-              <a:t>tcp</a:t>
-            </a:r>
-            <a:r>
-              <a:rPr lang="en-US" sz="1400" b="1">
-                <a:solidFill>
-                  <a:schemeClr val="bg1"/>
-                </a:solidFill>
-                <a:latin typeface="Courier New" panose="02070309020205020404" pitchFamily="49" charset="0"/>
-                <a:cs typeface="Courier New" panose="02070309020205020404" pitchFamily="49" charset="0"/>
-              </a:rPr>
-              <a:t> 192.168.10.0 0.0.0.255 any eq ftp-data </a:t>
-            </a:r>
-            <a:r>
-              <a:rPr lang="en-US" sz="1400">
-                <a:solidFill>
-                  <a:schemeClr val="bg1"/>
-                </a:solidFill>
-                <a:latin typeface="Courier New" panose="02070309020205020404" pitchFamily="49" charset="0"/>
-                <a:cs typeface="Courier New" panose="02070309020205020404" pitchFamily="49" charset="0"/>
-              </a:rPr>
-              <a:t>R1(config-</a:t>
-            </a:r>
-            <a:r>
-              <a:rPr lang="en-US" sz="1400" err="1">
-                <a:solidFill>
-                  <a:schemeClr val="bg1"/>
-                </a:solidFill>
-                <a:latin typeface="Courier New" panose="02070309020205020404" pitchFamily="49" charset="0"/>
-                <a:cs typeface="Courier New" panose="02070309020205020404" pitchFamily="49" charset="0"/>
-              </a:rPr>
-              <a:t>ext</a:t>
-            </a:r>
-            <a:r>
-              <a:rPr lang="en-US" sz="1400">
-                <a:solidFill>
-                  <a:schemeClr val="bg1"/>
-                </a:solidFill>
-                <a:latin typeface="Courier New" panose="02070309020205020404" pitchFamily="49" charset="0"/>
-                <a:cs typeface="Courier New" panose="02070309020205020404" pitchFamily="49" charset="0"/>
-              </a:rPr>
-              <a:t>-</a:t>
-            </a:r>
-            <a:r>
-              <a:rPr lang="en-US" sz="1400" err="1">
-                <a:solidFill>
-                  <a:schemeClr val="bg1"/>
-                </a:solidFill>
-                <a:latin typeface="Courier New" panose="02070309020205020404" pitchFamily="49" charset="0"/>
-                <a:cs typeface="Courier New" panose="02070309020205020404" pitchFamily="49" charset="0"/>
-              </a:rPr>
-              <a:t>nacl</a:t>
-            </a:r>
-            <a:r>
-              <a:rPr lang="en-US" sz="1400">
-                <a:solidFill>
-                  <a:schemeClr val="bg1"/>
-                </a:solidFill>
-                <a:latin typeface="Courier New" panose="02070309020205020404" pitchFamily="49" charset="0"/>
-                <a:cs typeface="Courier New" panose="02070309020205020404" pitchFamily="49" charset="0"/>
-              </a:rPr>
-              <a:t>)#</a:t>
-            </a:r>
+              <a:t>access-list  </a:t>
+            </a:r>
+            <a:endParaRPr lang="en-US" sz="1200"/>
           </a:p>
         </p:txBody>
       </p:sp>
@@ -31952,7 +31263,7 @@
     </p:custDataLst>
     <p:extLst>
       <p:ext uri="{BB962C8B-B14F-4D97-AF65-F5344CB8AC3E}">
-        <p14:creationId xmlns:p14="http://schemas.microsoft.com/office/powerpoint/2010/main" val="2553888879"/>
+        <p14:creationId xmlns:p14="http://schemas.microsoft.com/office/powerpoint/2010/main" val="1205276961"/>
       </p:ext>
     </p:extLst>
   </p:cSld>
@@ -32026,6 +31337,482 @@
             </a:br>
             <a:r>
               <a:rPr lang="en-US" sz="2400"/>
+              <a:t>Numbered and Named ACLs (Cont.)</a:t>
+            </a:r>
+          </a:p>
+        </p:txBody>
+      </p:sp>
+      <p:sp>
+        <p:nvSpPr>
+          <p:cNvPr id="4" name="Content Placeholder 3">
+            <a:extLst>
+              <a:ext uri="{FF2B5EF4-FFF2-40B4-BE49-F238E27FC236}">
+                <a16:creationId xmlns:a16="http://schemas.microsoft.com/office/drawing/2014/main" id="{32899492-07A1-FD4F-BB82-595FF422B2B7}"/>
+              </a:ext>
+            </a:extLst>
+          </p:cNvPr>
+          <p:cNvSpPr>
+            <a:spLocks noGrp="1"/>
+          </p:cNvSpPr>
+          <p:nvPr>
+            <p:ph idx="1"/>
+          </p:nvPr>
+        </p:nvSpPr>
+        <p:spPr>
+          <a:xfrm>
+            <a:off x="431971" y="731838"/>
+            <a:ext cx="8280057" cy="1938792"/>
+          </a:xfrm>
+        </p:spPr>
+        <p:txBody>
+          <a:bodyPr/>
+          <a:lstStyle/>
+          <a:p>
+            <a:pPr marL="0" indent="0" algn="l"/>
+            <a:r>
+              <a:rPr lang="en-US" sz="1600" b="1">
+                <a:solidFill>
+                  <a:srgbClr val="000000"/>
+                </a:solidFill>
+              </a:rPr>
+              <a:t>Named ACLs</a:t>
+            </a:r>
+            <a:endParaRPr lang="en-US" sz="1600">
+              <a:solidFill>
+                <a:srgbClr val="000000"/>
+              </a:solidFill>
+            </a:endParaRPr>
+          </a:p>
+          <a:p>
+            <a:pPr marL="342900" indent="-342900" algn="l">
+              <a:buFont typeface="Arial" panose="020B0604020202020204" pitchFamily="34" charset="0"/>
+              <a:buChar char="•"/>
+            </a:pPr>
+            <a:r>
+              <a:rPr lang="en-US" sz="1600">
+                <a:solidFill>
+                  <a:srgbClr val="000000"/>
+                </a:solidFill>
+              </a:rPr>
+              <a:t>Named ACLs are the preferred method to use when configuring ACLs. Specifically, standard and extended ACLs can be named to provide information about the purpose of the ACL. For example, naming an extended ACL FTP-FILTER is far better than having a numbered ACL 100.</a:t>
+            </a:r>
+          </a:p>
+          <a:p>
+            <a:pPr marL="342900" indent="-342900" algn="l">
+              <a:buFont typeface="Arial" panose="020B0604020202020204" pitchFamily="34" charset="0"/>
+              <a:buChar char="•"/>
+            </a:pPr>
+            <a:r>
+              <a:rPr lang="en-US" sz="1600">
+                <a:solidFill>
+                  <a:srgbClr val="000000"/>
+                </a:solidFill>
+              </a:rPr>
+              <a:t>The </a:t>
+            </a:r>
+            <a:r>
+              <a:rPr lang="en-US" sz="1600" b="1" err="1">
+                <a:solidFill>
+                  <a:srgbClr val="000000"/>
+                </a:solidFill>
+              </a:rPr>
+              <a:t>ip</a:t>
+            </a:r>
+            <a:r>
+              <a:rPr lang="en-US" sz="1600">
+                <a:solidFill>
+                  <a:srgbClr val="000000"/>
+                </a:solidFill>
+              </a:rPr>
+              <a:t> </a:t>
+            </a:r>
+            <a:r>
+              <a:rPr lang="en-US" sz="1600" b="1">
+                <a:solidFill>
+                  <a:srgbClr val="000000"/>
+                </a:solidFill>
+              </a:rPr>
+              <a:t>access-list</a:t>
+            </a:r>
+            <a:r>
+              <a:rPr lang="en-US" sz="1600">
+                <a:solidFill>
+                  <a:srgbClr val="000000"/>
+                </a:solidFill>
+              </a:rPr>
+              <a:t> global configuration command is used to create a named ACL, as shown in the following example.</a:t>
+            </a:r>
+          </a:p>
+          <a:p>
+            <a:pPr marL="342900" indent="-342900" algn="l">
+              <a:buFont typeface="Arial" panose="020B0604020202020204" pitchFamily="34" charset="0"/>
+              <a:buChar char="•"/>
+            </a:pPr>
+            <a:endParaRPr lang="en-US" sz="1600">
+              <a:solidFill>
+                <a:srgbClr val="000000"/>
+              </a:solidFill>
+            </a:endParaRPr>
+          </a:p>
+        </p:txBody>
+      </p:sp>
+      <p:sp>
+        <p:nvSpPr>
+          <p:cNvPr id="6" name="Rectangle 5">
+            <a:extLst>
+              <a:ext uri="{FF2B5EF4-FFF2-40B4-BE49-F238E27FC236}">
+                <a16:creationId xmlns:a16="http://schemas.microsoft.com/office/drawing/2014/main" id="{171F2959-C9E6-6F45-9258-2B3BD9A8EF5D}"/>
+              </a:ext>
+            </a:extLst>
+          </p:cNvPr>
+          <p:cNvSpPr/>
+          <p:nvPr/>
+        </p:nvSpPr>
+        <p:spPr>
+          <a:xfrm>
+            <a:off x="593015" y="2796182"/>
+            <a:ext cx="7752473" cy="954107"/>
+          </a:xfrm>
+          <a:prstGeom prst="rect">
+            <a:avLst/>
+          </a:prstGeom>
+          <a:solidFill>
+            <a:srgbClr val="000000"/>
+          </a:solidFill>
+        </p:spPr>
+        <p:txBody>
+          <a:bodyPr wrap="square">
+            <a:spAutoFit/>
+          </a:bodyPr>
+          <a:lstStyle/>
+          <a:p>
+            <a:r>
+              <a:rPr lang="en-US" sz="1400">
+                <a:solidFill>
+                  <a:schemeClr val="bg1"/>
+                </a:solidFill>
+                <a:latin typeface="Courier New" panose="02070309020205020404" pitchFamily="49" charset="0"/>
+                <a:cs typeface="Courier New" panose="02070309020205020404" pitchFamily="49" charset="0"/>
+              </a:rPr>
+              <a:t>R1(config)# </a:t>
+            </a:r>
+            <a:r>
+              <a:rPr lang="en-US" sz="1400" b="1" err="1">
+                <a:solidFill>
+                  <a:schemeClr val="bg1"/>
+                </a:solidFill>
+                <a:latin typeface="Courier New" panose="02070309020205020404" pitchFamily="49" charset="0"/>
+                <a:cs typeface="Courier New" panose="02070309020205020404" pitchFamily="49" charset="0"/>
+              </a:rPr>
+              <a:t>ip</a:t>
+            </a:r>
+            <a:r>
+              <a:rPr lang="en-US" sz="1400" b="1">
+                <a:solidFill>
+                  <a:schemeClr val="bg1"/>
+                </a:solidFill>
+                <a:latin typeface="Courier New" panose="02070309020205020404" pitchFamily="49" charset="0"/>
+                <a:cs typeface="Courier New" panose="02070309020205020404" pitchFamily="49" charset="0"/>
+              </a:rPr>
+              <a:t> access-list extended FTP-FILTER </a:t>
+            </a:r>
+          </a:p>
+          <a:p>
+            <a:r>
+              <a:rPr lang="en-US" sz="1400">
+                <a:solidFill>
+                  <a:schemeClr val="bg1"/>
+                </a:solidFill>
+                <a:latin typeface="Courier New" panose="02070309020205020404" pitchFamily="49" charset="0"/>
+                <a:cs typeface="Courier New" panose="02070309020205020404" pitchFamily="49" charset="0"/>
+              </a:rPr>
+              <a:t>R1(config-</a:t>
+            </a:r>
+            <a:r>
+              <a:rPr lang="en-US" sz="1400" err="1">
+                <a:solidFill>
+                  <a:schemeClr val="bg1"/>
+                </a:solidFill>
+                <a:latin typeface="Courier New" panose="02070309020205020404" pitchFamily="49" charset="0"/>
+                <a:cs typeface="Courier New" panose="02070309020205020404" pitchFamily="49" charset="0"/>
+              </a:rPr>
+              <a:t>ext</a:t>
+            </a:r>
+            <a:r>
+              <a:rPr lang="en-US" sz="1400">
+                <a:solidFill>
+                  <a:schemeClr val="bg1"/>
+                </a:solidFill>
+                <a:latin typeface="Courier New" panose="02070309020205020404" pitchFamily="49" charset="0"/>
+                <a:cs typeface="Courier New" panose="02070309020205020404" pitchFamily="49" charset="0"/>
+              </a:rPr>
+              <a:t>-</a:t>
+            </a:r>
+            <a:r>
+              <a:rPr lang="en-US" sz="1400" err="1">
+                <a:solidFill>
+                  <a:schemeClr val="bg1"/>
+                </a:solidFill>
+                <a:latin typeface="Courier New" panose="02070309020205020404" pitchFamily="49" charset="0"/>
+                <a:cs typeface="Courier New" panose="02070309020205020404" pitchFamily="49" charset="0"/>
+              </a:rPr>
+              <a:t>nacl</a:t>
+            </a:r>
+            <a:r>
+              <a:rPr lang="en-US" sz="1400">
+                <a:solidFill>
+                  <a:schemeClr val="bg1"/>
+                </a:solidFill>
+                <a:latin typeface="Courier New" panose="02070309020205020404" pitchFamily="49" charset="0"/>
+                <a:cs typeface="Courier New" panose="02070309020205020404" pitchFamily="49" charset="0"/>
+              </a:rPr>
+              <a:t>)# </a:t>
+            </a:r>
+            <a:r>
+              <a:rPr lang="en-US" sz="1400" b="1">
+                <a:solidFill>
+                  <a:schemeClr val="bg1"/>
+                </a:solidFill>
+                <a:latin typeface="Courier New" panose="02070309020205020404" pitchFamily="49" charset="0"/>
+                <a:cs typeface="Courier New" panose="02070309020205020404" pitchFamily="49" charset="0"/>
+              </a:rPr>
+              <a:t>permit </a:t>
+            </a:r>
+            <a:r>
+              <a:rPr lang="en-US" sz="1400" b="1" err="1">
+                <a:solidFill>
+                  <a:schemeClr val="bg1"/>
+                </a:solidFill>
+                <a:latin typeface="Courier New" panose="02070309020205020404" pitchFamily="49" charset="0"/>
+                <a:cs typeface="Courier New" panose="02070309020205020404" pitchFamily="49" charset="0"/>
+              </a:rPr>
+              <a:t>tcp</a:t>
+            </a:r>
+            <a:r>
+              <a:rPr lang="en-US" sz="1400" b="1">
+                <a:solidFill>
+                  <a:schemeClr val="bg1"/>
+                </a:solidFill>
+                <a:latin typeface="Courier New" panose="02070309020205020404" pitchFamily="49" charset="0"/>
+                <a:cs typeface="Courier New" panose="02070309020205020404" pitchFamily="49" charset="0"/>
+              </a:rPr>
+              <a:t> 192.168.10.0 0.0.0.255 any eq ftp </a:t>
+            </a:r>
+          </a:p>
+          <a:p>
+            <a:r>
+              <a:rPr lang="en-US" sz="1400">
+                <a:solidFill>
+                  <a:schemeClr val="bg1"/>
+                </a:solidFill>
+                <a:latin typeface="Courier New" panose="02070309020205020404" pitchFamily="49" charset="0"/>
+                <a:cs typeface="Courier New" panose="02070309020205020404" pitchFamily="49" charset="0"/>
+              </a:rPr>
+              <a:t>R1(config-</a:t>
+            </a:r>
+            <a:r>
+              <a:rPr lang="en-US" sz="1400" err="1">
+                <a:solidFill>
+                  <a:schemeClr val="bg1"/>
+                </a:solidFill>
+                <a:latin typeface="Courier New" panose="02070309020205020404" pitchFamily="49" charset="0"/>
+                <a:cs typeface="Courier New" panose="02070309020205020404" pitchFamily="49" charset="0"/>
+              </a:rPr>
+              <a:t>ext</a:t>
+            </a:r>
+            <a:r>
+              <a:rPr lang="en-US" sz="1400">
+                <a:solidFill>
+                  <a:schemeClr val="bg1"/>
+                </a:solidFill>
+                <a:latin typeface="Courier New" panose="02070309020205020404" pitchFamily="49" charset="0"/>
+                <a:cs typeface="Courier New" panose="02070309020205020404" pitchFamily="49" charset="0"/>
+              </a:rPr>
+              <a:t>-</a:t>
+            </a:r>
+            <a:r>
+              <a:rPr lang="en-US" sz="1400" err="1">
+                <a:solidFill>
+                  <a:schemeClr val="bg1"/>
+                </a:solidFill>
+                <a:latin typeface="Courier New" panose="02070309020205020404" pitchFamily="49" charset="0"/>
+                <a:cs typeface="Courier New" panose="02070309020205020404" pitchFamily="49" charset="0"/>
+              </a:rPr>
+              <a:t>nacl</a:t>
+            </a:r>
+            <a:r>
+              <a:rPr lang="en-US" sz="1400">
+                <a:solidFill>
+                  <a:schemeClr val="bg1"/>
+                </a:solidFill>
+                <a:latin typeface="Courier New" panose="02070309020205020404" pitchFamily="49" charset="0"/>
+                <a:cs typeface="Courier New" panose="02070309020205020404" pitchFamily="49" charset="0"/>
+              </a:rPr>
+              <a:t>)# </a:t>
+            </a:r>
+            <a:r>
+              <a:rPr lang="en-US" sz="1400" b="1">
+                <a:solidFill>
+                  <a:schemeClr val="bg1"/>
+                </a:solidFill>
+                <a:latin typeface="Courier New" panose="02070309020205020404" pitchFamily="49" charset="0"/>
+                <a:cs typeface="Courier New" panose="02070309020205020404" pitchFamily="49" charset="0"/>
+              </a:rPr>
+              <a:t>permit </a:t>
+            </a:r>
+            <a:r>
+              <a:rPr lang="en-US" sz="1400" b="1" err="1">
+                <a:solidFill>
+                  <a:schemeClr val="bg1"/>
+                </a:solidFill>
+                <a:latin typeface="Courier New" panose="02070309020205020404" pitchFamily="49" charset="0"/>
+                <a:cs typeface="Courier New" panose="02070309020205020404" pitchFamily="49" charset="0"/>
+              </a:rPr>
+              <a:t>tcp</a:t>
+            </a:r>
+            <a:r>
+              <a:rPr lang="en-US" sz="1400" b="1">
+                <a:solidFill>
+                  <a:schemeClr val="bg1"/>
+                </a:solidFill>
+                <a:latin typeface="Courier New" panose="02070309020205020404" pitchFamily="49" charset="0"/>
+                <a:cs typeface="Courier New" panose="02070309020205020404" pitchFamily="49" charset="0"/>
+              </a:rPr>
+              <a:t> 192.168.10.0 0.0.0.255 any eq ftp-data </a:t>
+            </a:r>
+            <a:r>
+              <a:rPr lang="en-US" sz="1400">
+                <a:solidFill>
+                  <a:schemeClr val="bg1"/>
+                </a:solidFill>
+                <a:latin typeface="Courier New" panose="02070309020205020404" pitchFamily="49" charset="0"/>
+                <a:cs typeface="Courier New" panose="02070309020205020404" pitchFamily="49" charset="0"/>
+              </a:rPr>
+              <a:t>R1(config-</a:t>
+            </a:r>
+            <a:r>
+              <a:rPr lang="en-US" sz="1400" err="1">
+                <a:solidFill>
+                  <a:schemeClr val="bg1"/>
+                </a:solidFill>
+                <a:latin typeface="Courier New" panose="02070309020205020404" pitchFamily="49" charset="0"/>
+                <a:cs typeface="Courier New" panose="02070309020205020404" pitchFamily="49" charset="0"/>
+              </a:rPr>
+              <a:t>ext</a:t>
+            </a:r>
+            <a:r>
+              <a:rPr lang="en-US" sz="1400">
+                <a:solidFill>
+                  <a:schemeClr val="bg1"/>
+                </a:solidFill>
+                <a:latin typeface="Courier New" panose="02070309020205020404" pitchFamily="49" charset="0"/>
+                <a:cs typeface="Courier New" panose="02070309020205020404" pitchFamily="49" charset="0"/>
+              </a:rPr>
+              <a:t>-</a:t>
+            </a:r>
+            <a:r>
+              <a:rPr lang="en-US" sz="1400" err="1">
+                <a:solidFill>
+                  <a:schemeClr val="bg1"/>
+                </a:solidFill>
+                <a:latin typeface="Courier New" panose="02070309020205020404" pitchFamily="49" charset="0"/>
+                <a:cs typeface="Courier New" panose="02070309020205020404" pitchFamily="49" charset="0"/>
+              </a:rPr>
+              <a:t>nacl</a:t>
+            </a:r>
+            <a:r>
+              <a:rPr lang="en-US" sz="1400">
+                <a:solidFill>
+                  <a:schemeClr val="bg1"/>
+                </a:solidFill>
+                <a:latin typeface="Courier New" panose="02070309020205020404" pitchFamily="49" charset="0"/>
+                <a:cs typeface="Courier New" panose="02070309020205020404" pitchFamily="49" charset="0"/>
+              </a:rPr>
+              <a:t>)#</a:t>
+            </a:r>
+          </a:p>
+        </p:txBody>
+      </p:sp>
+    </p:spTree>
+    <p:custDataLst>
+      <p:tags r:id="rId1"/>
+    </p:custDataLst>
+    <p:extLst>
+      <p:ext uri="{BB962C8B-B14F-4D97-AF65-F5344CB8AC3E}">
+        <p14:creationId xmlns:p14="http://schemas.microsoft.com/office/powerpoint/2010/main" val="2553888879"/>
+      </p:ext>
+    </p:extLst>
+  </p:cSld>
+  <p:clrMapOvr>
+    <a:masterClrMapping/>
+  </p:clrMapOvr>
+  <mc:AlternateContent xmlns:mc="http://schemas.openxmlformats.org/markup-compatibility/2006" xmlns:p14="http://schemas.microsoft.com/office/powerpoint/2010/main">
+    <mc:Choice Requires="p14">
+      <p:transition spd="med" p14:dur="700">
+        <p:fade/>
+      </p:transition>
+    </mc:Choice>
+    <mc:Fallback xmlns="">
+      <p:transition xmlns:p14="http://schemas.microsoft.com/office/powerpoint/2010/main" spd="med">
+        <p:fade/>
+      </p:transition>
+    </mc:Fallback>
+  </mc:AlternateContent>
+</p:sld>
+</file>
+
+<file path=ppt/slides/slide26.xml><?xml version="1.0" encoding="utf-8"?>
+<p:sld xmlns:a="http://schemas.openxmlformats.org/drawingml/2006/main" xmlns:r="http://schemas.openxmlformats.org/officeDocument/2006/relationships" xmlns:p="http://schemas.openxmlformats.org/presentationml/2006/main">
+  <p:cSld>
+    <p:spTree>
+      <p:nvGrpSpPr>
+        <p:cNvPr id="1" name=""/>
+        <p:cNvGrpSpPr/>
+        <p:nvPr/>
+      </p:nvGrpSpPr>
+      <p:grpSpPr>
+        <a:xfrm>
+          <a:off x="0" y="0"/>
+          <a:ext cx="0" cy="0"/>
+          <a:chOff x="0" y="0"/>
+          <a:chExt cx="0" cy="0"/>
+        </a:xfrm>
+      </p:grpSpPr>
+      <p:sp>
+        <p:nvSpPr>
+          <p:cNvPr id="3" name="Title 2">
+            <a:extLst>
+              <a:ext uri="{FF2B5EF4-FFF2-40B4-BE49-F238E27FC236}">
+                <a16:creationId xmlns:a16="http://schemas.microsoft.com/office/drawing/2014/main" id="{C02AA8F8-1E43-384B-8982-C0BB94049B5C}"/>
+              </a:ext>
+            </a:extLst>
+          </p:cNvPr>
+          <p:cNvSpPr>
+            <a:spLocks noGrp="1"/>
+          </p:cNvSpPr>
+          <p:nvPr>
+            <p:ph type="title"/>
+          </p:nvPr>
+        </p:nvSpPr>
+        <p:spPr>
+          <a:xfrm>
+            <a:off x="0" y="0"/>
+            <a:ext cx="8345488" cy="731837"/>
+          </a:xfrm>
+        </p:spPr>
+        <p:txBody>
+          <a:bodyPr/>
+          <a:lstStyle/>
+          <a:p>
+            <a:r>
+              <a:rPr lang="en-US" sz="1600"/>
+              <a:t>Types of IPv4 ACLs</a:t>
+            </a:r>
+            <a:br>
+              <a:rPr lang="en-US"/>
+            </a:br>
+            <a:r>
+              <a:rPr lang="en-US" sz="2400"/>
               <a:t>Where to Place ACLs</a:t>
             </a:r>
           </a:p>
@@ -32158,7 +31945,7 @@
 </p:sld>
 </file>
 
-<file path=ppt/slides/slide26.xml><?xml version="1.0" encoding="utf-8"?>
+<file path=ppt/slides/slide27.xml><?xml version="1.0" encoding="utf-8"?>
 <p:sld xmlns:a="http://schemas.openxmlformats.org/drawingml/2006/main" xmlns:r="http://schemas.openxmlformats.org/officeDocument/2006/relationships" xmlns:p="http://schemas.openxmlformats.org/presentationml/2006/main">
   <p:cSld>
     <p:spTree>
@@ -32480,7 +32267,7 @@
 </p:sld>
 </file>
 
-<file path=ppt/slides/slide27.xml><?xml version="1.0" encoding="utf-8"?>
+<file path=ppt/slides/slide28.xml><?xml version="1.0" encoding="utf-8"?>
 <p:sld xmlns:a="http://schemas.openxmlformats.org/drawingml/2006/main" xmlns:r="http://schemas.openxmlformats.org/officeDocument/2006/relationships" xmlns:p="http://schemas.openxmlformats.org/presentationml/2006/main">
   <p:cSld>
     <p:spTree>
@@ -33071,7 +32858,7 @@
 </p:sld>
 </file>
 
-<file path=ppt/slides/slide28.xml><?xml version="1.0" encoding="utf-8"?>
+<file path=ppt/slides/slide29.xml><?xml version="1.0" encoding="utf-8"?>
 <p:sld xmlns:a="http://schemas.openxmlformats.org/drawingml/2006/main" xmlns:r="http://schemas.openxmlformats.org/officeDocument/2006/relationships" xmlns:p="http://schemas.openxmlformats.org/presentationml/2006/main">
   <p:cSld>
     <p:spTree>
@@ -33342,7 +33129,77 @@
 </p:sld>
 </file>
 
-<file path=ppt/slides/slide29.xml><?xml version="1.0" encoding="utf-8"?>
+<file path=ppt/slides/slide3.xml><?xml version="1.0" encoding="utf-8"?>
+<p:sld xmlns:a="http://schemas.openxmlformats.org/drawingml/2006/main" xmlns:r="http://schemas.openxmlformats.org/officeDocument/2006/relationships" xmlns:p="http://schemas.openxmlformats.org/presentationml/2006/main">
+  <p:cSld>
+    <p:spTree>
+      <p:nvGrpSpPr>
+        <p:cNvPr id="1" name=""/>
+        <p:cNvGrpSpPr/>
+        <p:nvPr/>
+      </p:nvGrpSpPr>
+      <p:grpSpPr>
+        <a:xfrm>
+          <a:off x="0" y="0"/>
+          <a:ext cx="0" cy="0"/>
+          <a:chOff x="0" y="0"/>
+          <a:chExt cx="0" cy="0"/>
+        </a:xfrm>
+      </p:grpSpPr>
+      <p:sp>
+        <p:nvSpPr>
+          <p:cNvPr id="2" name="Title 1"/>
+          <p:cNvSpPr>
+            <a:spLocks noGrp="1"/>
+          </p:cNvSpPr>
+          <p:nvPr>
+            <p:ph type="ctrTitle"/>
+          </p:nvPr>
+        </p:nvSpPr>
+        <p:spPr>
+          <a:xfrm>
+            <a:off x="416425" y="1788160"/>
+            <a:ext cx="7598042" cy="929640"/>
+          </a:xfrm>
+        </p:spPr>
+        <p:txBody>
+          <a:bodyPr/>
+          <a:lstStyle/>
+          <a:p>
+            <a:r>
+              <a:rPr lang="en-US">
+                <a:solidFill>
+                  <a:schemeClr val="accent5">
+                    <a:lumMod val="40000"/>
+                    <a:lumOff val="60000"/>
+                  </a:schemeClr>
+                </a:solidFill>
+              </a:rPr>
+              <a:t>4.1 Purpose of ACLs</a:t>
+            </a:r>
+          </a:p>
+        </p:txBody>
+      </p:sp>
+    </p:spTree>
+    <p:custDataLst>
+      <p:tags r:id="rId1"/>
+    </p:custDataLst>
+    <p:extLst>
+      <p:ext uri="{BB962C8B-B14F-4D97-AF65-F5344CB8AC3E}">
+        <p14:creationId xmlns:p14="http://schemas.microsoft.com/office/powerpoint/2010/main" val="673099643"/>
+      </p:ext>
+    </p:extLst>
+  </p:cSld>
+  <p:clrMapOvr>
+    <a:masterClrMapping/>
+  </p:clrMapOvr>
+  <p:transition spd="slow">
+    <p:wipe/>
+  </p:transition>
+</p:sld>
+</file>
+
+<file path=ppt/slides/slide30.xml><?xml version="1.0" encoding="utf-8"?>
 <p:sld xmlns:a="http://schemas.openxmlformats.org/drawingml/2006/main" xmlns:r="http://schemas.openxmlformats.org/officeDocument/2006/relationships" xmlns:p="http://schemas.openxmlformats.org/presentationml/2006/main">
   <p:cSld>
     <p:spTree>
@@ -33956,77 +33813,7 @@
 </p:sld>
 </file>
 
-<file path=ppt/slides/slide3.xml><?xml version="1.0" encoding="utf-8"?>
-<p:sld xmlns:a="http://schemas.openxmlformats.org/drawingml/2006/main" xmlns:r="http://schemas.openxmlformats.org/officeDocument/2006/relationships" xmlns:p="http://schemas.openxmlformats.org/presentationml/2006/main">
-  <p:cSld>
-    <p:spTree>
-      <p:nvGrpSpPr>
-        <p:cNvPr id="1" name=""/>
-        <p:cNvGrpSpPr/>
-        <p:nvPr/>
-      </p:nvGrpSpPr>
-      <p:grpSpPr>
-        <a:xfrm>
-          <a:off x="0" y="0"/>
-          <a:ext cx="0" cy="0"/>
-          <a:chOff x="0" y="0"/>
-          <a:chExt cx="0" cy="0"/>
-        </a:xfrm>
-      </p:grpSpPr>
-      <p:sp>
-        <p:nvSpPr>
-          <p:cNvPr id="2" name="Title 1"/>
-          <p:cNvSpPr>
-            <a:spLocks noGrp="1"/>
-          </p:cNvSpPr>
-          <p:nvPr>
-            <p:ph type="ctrTitle"/>
-          </p:nvPr>
-        </p:nvSpPr>
-        <p:spPr>
-          <a:xfrm>
-            <a:off x="416425" y="1788160"/>
-            <a:ext cx="7598042" cy="929640"/>
-          </a:xfrm>
-        </p:spPr>
-        <p:txBody>
-          <a:bodyPr/>
-          <a:lstStyle/>
-          <a:p>
-            <a:r>
-              <a:rPr lang="en-US">
-                <a:solidFill>
-                  <a:schemeClr val="accent5">
-                    <a:lumMod val="40000"/>
-                    <a:lumOff val="60000"/>
-                  </a:schemeClr>
-                </a:solidFill>
-              </a:rPr>
-              <a:t>4.1 Purpose of ACLs</a:t>
-            </a:r>
-          </a:p>
-        </p:txBody>
-      </p:sp>
-    </p:spTree>
-    <p:custDataLst>
-      <p:tags r:id="rId1"/>
-    </p:custDataLst>
-    <p:extLst>
-      <p:ext uri="{BB962C8B-B14F-4D97-AF65-F5344CB8AC3E}">
-        <p14:creationId xmlns:p14="http://schemas.microsoft.com/office/powerpoint/2010/main" val="673099643"/>
-      </p:ext>
-    </p:extLst>
-  </p:cSld>
-  <p:clrMapOvr>
-    <a:masterClrMapping/>
-  </p:clrMapOvr>
-  <p:transition spd="slow">
-    <p:wipe/>
-  </p:transition>
-</p:sld>
-</file>
-
-<file path=ppt/slides/slide30.xml><?xml version="1.0" encoding="utf-8"?>
+<file path=ppt/slides/slide31.xml><?xml version="1.0" encoding="utf-8"?>
 <p:sld xmlns:a="http://schemas.openxmlformats.org/drawingml/2006/main" xmlns:r="http://schemas.openxmlformats.org/officeDocument/2006/relationships" xmlns:p="http://schemas.openxmlformats.org/presentationml/2006/main">
   <p:cSld>
     <p:spTree>
@@ -34274,7 +34061,7 @@
 </p:sld>
 </file>
 
-<file path=ppt/slides/slide31.xml><?xml version="1.0" encoding="utf-8"?>
+<file path=ppt/slides/slide32.xml><?xml version="1.0" encoding="utf-8"?>
 <p:sld xmlns:a="http://schemas.openxmlformats.org/drawingml/2006/main" xmlns:r="http://schemas.openxmlformats.org/officeDocument/2006/relationships" xmlns:p="http://schemas.openxmlformats.org/presentationml/2006/main">
   <p:cSld>
     <p:spTree>
@@ -35247,6 +35034,102 @@
           <a:chExt cx="0" cy="0"/>
         </a:xfrm>
       </p:grpSpPr>
+      <p:pic>
+        <p:nvPicPr>
+          <p:cNvPr id="5" name="Zástupný objekt pre obsah 4" descr="Obrázok, na ktorom je text, diagram, rad, vývoj&#10;&#10;Obsah vygenerovaný pomocou AI môže byť nesprávny.">
+            <a:extLst>
+              <a:ext uri="{FF2B5EF4-FFF2-40B4-BE49-F238E27FC236}">
+                <a16:creationId xmlns:a16="http://schemas.microsoft.com/office/drawing/2014/main" id="{3942FB2E-9E18-C0DF-CBA8-D0DFE87F9960}"/>
+              </a:ext>
+            </a:extLst>
+          </p:cNvPr>
+          <p:cNvPicPr>
+            <a:picLocks noGrp="1" noChangeAspect="1"/>
+          </p:cNvPicPr>
+          <p:nvPr>
+            <p:ph idx="1"/>
+          </p:nvPr>
+        </p:nvPicPr>
+        <p:blipFill>
+          <a:blip r:embed="rId2"/>
+          <a:stretch>
+            <a:fillRect/>
+          </a:stretch>
+        </p:blipFill>
+        <p:spPr>
+          <a:xfrm>
+            <a:off x="215359" y="1638893"/>
+            <a:ext cx="8713281" cy="1865714"/>
+          </a:xfrm>
+        </p:spPr>
+      </p:pic>
+      <p:sp>
+        <p:nvSpPr>
+          <p:cNvPr id="3" name="Nadpis 2">
+            <a:extLst>
+              <a:ext uri="{FF2B5EF4-FFF2-40B4-BE49-F238E27FC236}">
+                <a16:creationId xmlns:a16="http://schemas.microsoft.com/office/drawing/2014/main" id="{DF90DADA-0DBC-3F7E-3BAD-3F138B9AE17F}"/>
+              </a:ext>
+            </a:extLst>
+          </p:cNvPr>
+          <p:cNvSpPr>
+            <a:spLocks noGrp="1"/>
+          </p:cNvSpPr>
+          <p:nvPr>
+            <p:ph type="title"/>
+          </p:nvPr>
+        </p:nvSpPr>
+        <p:spPr/>
+        <p:txBody>
+          <a:bodyPr/>
+          <a:lstStyle/>
+          <a:p>
+            <a:r>
+              <a:rPr lang="sk-SK" dirty="0"/>
+              <a:t>INBOUND </a:t>
+            </a:r>
+            <a:r>
+              <a:rPr lang="sk-SK" dirty="0" err="1"/>
+              <a:t>vs</a:t>
+            </a:r>
+            <a:r>
+              <a:rPr lang="sk-SK" dirty="0"/>
+              <a:t> OUTBOUND</a:t>
+            </a:r>
+          </a:p>
+        </p:txBody>
+      </p:sp>
+    </p:spTree>
+    <p:extLst>
+      <p:ext uri="{BB962C8B-B14F-4D97-AF65-F5344CB8AC3E}">
+        <p14:creationId xmlns:p14="http://schemas.microsoft.com/office/powerpoint/2010/main" val="631118686"/>
+      </p:ext>
+    </p:extLst>
+  </p:cSld>
+  <p:clrMapOvr>
+    <a:masterClrMapping/>
+  </p:clrMapOvr>
+  <p:transition/>
+</p:sld>
+</file>
+
+<file path=ppt/slides/slide9.xml><?xml version="1.0" encoding="utf-8"?>
+<p:sld xmlns:a="http://schemas.openxmlformats.org/drawingml/2006/main" xmlns:r="http://schemas.openxmlformats.org/officeDocument/2006/relationships" xmlns:p="http://schemas.openxmlformats.org/presentationml/2006/main">
+  <p:cSld>
+    <p:spTree>
+      <p:nvGrpSpPr>
+        <p:cNvPr id="1" name=""/>
+        <p:cNvGrpSpPr/>
+        <p:nvPr/>
+      </p:nvGrpSpPr>
+      <p:grpSpPr>
+        <a:xfrm>
+          <a:off x="0" y="0"/>
+          <a:ext cx="0" cy="0"/>
+          <a:chOff x="0" y="0"/>
+          <a:chExt cx="0" cy="0"/>
+        </a:xfrm>
+      </p:grpSpPr>
       <p:sp>
         <p:nvSpPr>
           <p:cNvPr id="3" name="Title 2">
@@ -35497,94 +35380,6 @@
       </p:transition>
     </mc:Fallback>
   </mc:AlternateContent>
-</p:sld>
-</file>
-
-<file path=ppt/slides/slide9.xml><?xml version="1.0" encoding="utf-8"?>
-<p:sld xmlns:a="http://schemas.openxmlformats.org/drawingml/2006/main" xmlns:r="http://schemas.openxmlformats.org/officeDocument/2006/relationships" xmlns:p="http://schemas.openxmlformats.org/presentationml/2006/main">
-  <p:cSld>
-    <p:spTree>
-      <p:nvGrpSpPr>
-        <p:cNvPr id="1" name=""/>
-        <p:cNvGrpSpPr/>
-        <p:nvPr/>
-      </p:nvGrpSpPr>
-      <p:grpSpPr>
-        <a:xfrm>
-          <a:off x="0" y="0"/>
-          <a:ext cx="0" cy="0"/>
-          <a:chOff x="0" y="0"/>
-          <a:chExt cx="0" cy="0"/>
-        </a:xfrm>
-      </p:grpSpPr>
-      <p:pic>
-        <p:nvPicPr>
-          <p:cNvPr id="5" name="Zástupný objekt pre obsah 4" descr="Obrázok, na ktorom je text, snímka obrazovky, písmo, jedálny lístok&#10;&#10;Obsah vygenerovaný pomocou AI môže byť nesprávny.">
-            <a:extLst>
-              <a:ext uri="{FF2B5EF4-FFF2-40B4-BE49-F238E27FC236}">
-                <a16:creationId xmlns:a16="http://schemas.microsoft.com/office/drawing/2014/main" id="{088681FF-D99A-1BFD-1BFB-DB9EA961014C}"/>
-              </a:ext>
-            </a:extLst>
-          </p:cNvPr>
-          <p:cNvPicPr>
-            <a:picLocks noGrp="1" noChangeAspect="1"/>
-          </p:cNvPicPr>
-          <p:nvPr>
-            <p:ph idx="1"/>
-          </p:nvPr>
-        </p:nvPicPr>
-        <p:blipFill>
-          <a:blip r:embed="rId2"/>
-          <a:stretch>
-            <a:fillRect/>
-          </a:stretch>
-        </p:blipFill>
-        <p:spPr>
-          <a:xfrm>
-            <a:off x="1264010" y="689499"/>
-            <a:ext cx="5926499" cy="4324742"/>
-          </a:xfrm>
-        </p:spPr>
-      </p:pic>
-      <p:sp>
-        <p:nvSpPr>
-          <p:cNvPr id="3" name="Nadpis 2">
-            <a:extLst>
-              <a:ext uri="{FF2B5EF4-FFF2-40B4-BE49-F238E27FC236}">
-                <a16:creationId xmlns:a16="http://schemas.microsoft.com/office/drawing/2014/main" id="{94FA5AB8-1A8F-45AB-AA83-E949D409E691}"/>
-              </a:ext>
-            </a:extLst>
-          </p:cNvPr>
-          <p:cNvSpPr>
-            <a:spLocks noGrp="1"/>
-          </p:cNvSpPr>
-          <p:nvPr>
-            <p:ph type="title"/>
-          </p:nvPr>
-        </p:nvSpPr>
-        <p:spPr/>
-        <p:txBody>
-          <a:bodyPr/>
-          <a:lstStyle/>
-          <a:p>
-            <a:r>
-              <a:rPr lang="en-US" noProof="0" dirty="0"/>
-              <a:t>Global view of packet processing</a:t>
-            </a:r>
-          </a:p>
-        </p:txBody>
-      </p:sp>
-    </p:spTree>
-    <p:extLst>
-      <p:ext uri="{BB962C8B-B14F-4D97-AF65-F5344CB8AC3E}">
-        <p14:creationId xmlns:p14="http://schemas.microsoft.com/office/powerpoint/2010/main" val="2581345861"/>
-      </p:ext>
-    </p:extLst>
-  </p:cSld>
-  <p:clrMapOvr>
-    <a:masterClrMapping/>
-  </p:clrMapOvr>
-  <p:transition/>
 </p:sld>
 </file>
 
